--- a/Dinometry Dash/Documentation/Pitch Presentation.pptx
+++ b/Dinometry Dash/Documentation/Pitch Presentation.pptx
@@ -2,10 +2,24 @@
 <file path=ppt/presentation.xml><?xml version="1.0" encoding="utf-8"?>
 <p:presentation xmlns:a="http://schemas.openxmlformats.org/drawingml/2006/main" xmlns:r="http://schemas.openxmlformats.org/officeDocument/2006/relationships" xmlns:p="http://schemas.openxmlformats.org/presentationml/2006/main" saveSubsetFonts="1">
   <p:sldMasterIdLst>
-    <p:sldMasterId id="2147483648" r:id="rId1"/>
+    <p:sldMasterId id="2147483672" r:id="rId1"/>
   </p:sldMasterIdLst>
   <p:sldIdLst>
     <p:sldId id="256" r:id="rId2"/>
+    <p:sldId id="257" r:id="rId3"/>
+    <p:sldId id="258" r:id="rId4"/>
+    <p:sldId id="259" r:id="rId5"/>
+    <p:sldId id="260" r:id="rId6"/>
+    <p:sldId id="261" r:id="rId7"/>
+    <p:sldId id="262" r:id="rId8"/>
+    <p:sldId id="263" r:id="rId9"/>
+    <p:sldId id="264" r:id="rId10"/>
+    <p:sldId id="265" r:id="rId11"/>
+    <p:sldId id="266" r:id="rId12"/>
+    <p:sldId id="267" r:id="rId13"/>
+    <p:sldId id="268" r:id="rId14"/>
+    <p:sldId id="269" r:id="rId15"/>
+    <p:sldId id="270" r:id="rId16"/>
   </p:sldIdLst>
   <p:sldSz cx="12192000" cy="6858000"/>
   <p:notesSz cx="6858000" cy="9144000"/>
@@ -104,12 +118,27 @@
       </a:defRPr>
     </a:lvl9pPr>
   </p:defaultTextStyle>
+  <p:extLst>
+    <p:ext uri="{EFAFB233-063F-42B5-8137-9DF3F51BA10A}">
+      <p15:sldGuideLst xmlns:p15="http://schemas.microsoft.com/office/powerpoint/2012/main"/>
+    </p:ext>
+  </p:extLst>
 </p:presentation>
 </file>
 
 <file path=ppt/slideLayouts/slideLayout1.xml><?xml version="1.0" encoding="utf-8"?>
-<p:sldLayout xmlns:a="http://schemas.openxmlformats.org/drawingml/2006/main" xmlns:r="http://schemas.openxmlformats.org/officeDocument/2006/relationships" xmlns:p="http://schemas.openxmlformats.org/presentationml/2006/main" type="title" preserve="1">
+<p:sldLayout xmlns:a="http://schemas.openxmlformats.org/drawingml/2006/main" xmlns:r="http://schemas.openxmlformats.org/officeDocument/2006/relationships" xmlns:p="http://schemas.openxmlformats.org/presentationml/2006/main" showMasterSp="0" type="title" preserve="1">
   <p:cSld name="Title Slide">
+    <p:bg>
+      <p:bgPr>
+        <a:solidFill>
+          <a:schemeClr val="bg2">
+            <a:lumMod val="75000"/>
+          </a:schemeClr>
+        </a:solidFill>
+        <a:effectLst/>
+      </p:bgPr>
+    </p:bg>
     <p:spTree>
       <p:nvGrpSpPr>
         <p:cNvPr id="1" name=""/>
@@ -136,15 +165,24 @@
         </p:nvSpPr>
         <p:spPr>
           <a:xfrm>
-            <a:off x="1524000" y="1122363"/>
-            <a:ext cx="9144000" cy="2387600"/>
+            <a:off x="1261872" y="758952"/>
+            <a:ext cx="9418320" cy="4041648"/>
           </a:xfrm>
         </p:spPr>
         <p:txBody>
-          <a:bodyPr anchor="b"/>
+          <a:bodyPr anchor="b">
+            <a:normAutofit/>
+          </a:bodyPr>
           <a:lstStyle>
-            <a:lvl1pPr algn="ctr">
-              <a:defRPr sz="6000"/>
+            <a:lvl1pPr algn="l">
+              <a:lnSpc>
+                <a:spcPct val="85000"/>
+              </a:lnSpc>
+              <a:defRPr sz="7200" baseline="0">
+                <a:solidFill>
+                  <a:schemeClr val="tx1"/>
+                </a:solidFill>
+              </a:defRPr>
             </a:lvl1pPr>
           </a:lstStyle>
           <a:p>
@@ -152,7 +190,7 @@
               <a:rPr lang="en-US" smtClean="0"/>
               <a:t>Click to edit Master title style</a:t>
             </a:r>
-            <a:endParaRPr lang="en-US"/>
+            <a:endParaRPr lang="en-US" dirty="0"/>
           </a:p>
         </p:txBody>
       </p:sp>
@@ -168,48 +206,56 @@
         </p:nvSpPr>
         <p:spPr>
           <a:xfrm>
-            <a:off x="1524000" y="3602038"/>
-            <a:ext cx="9144000" cy="1655762"/>
+            <a:off x="1261872" y="4800600"/>
+            <a:ext cx="9418320" cy="1691640"/>
           </a:xfrm>
         </p:spPr>
         <p:txBody>
-          <a:bodyPr/>
+          <a:bodyPr>
+            <a:normAutofit/>
+          </a:bodyPr>
           <a:lstStyle>
-            <a:lvl1pPr marL="0" indent="0" algn="ctr">
-              <a:buNone/>
-              <a:defRPr sz="2400"/>
+            <a:lvl1pPr marL="0" indent="0" algn="l">
+              <a:buNone/>
+              <a:defRPr sz="2200" baseline="0">
+                <a:solidFill>
+                  <a:schemeClr val="tx1">
+                    <a:lumMod val="75000"/>
+                  </a:schemeClr>
+                </a:solidFill>
+              </a:defRPr>
             </a:lvl1pPr>
             <a:lvl2pPr marL="457200" indent="0" algn="ctr">
               <a:buNone/>
-              <a:defRPr sz="2000"/>
+              <a:defRPr sz="2200"/>
             </a:lvl2pPr>
             <a:lvl3pPr marL="914400" indent="0" algn="ctr">
               <a:buNone/>
-              <a:defRPr sz="1800"/>
+              <a:defRPr sz="2200"/>
             </a:lvl3pPr>
             <a:lvl4pPr marL="1371600" indent="0" algn="ctr">
               <a:buNone/>
-              <a:defRPr sz="1600"/>
+              <a:defRPr sz="2000"/>
             </a:lvl4pPr>
             <a:lvl5pPr marL="1828800" indent="0" algn="ctr">
               <a:buNone/>
-              <a:defRPr sz="1600"/>
+              <a:defRPr sz="2000"/>
             </a:lvl5pPr>
             <a:lvl6pPr marL="2286000" indent="0" algn="ctr">
               <a:buNone/>
-              <a:defRPr sz="1600"/>
+              <a:defRPr sz="2000"/>
             </a:lvl6pPr>
             <a:lvl7pPr marL="2743200" indent="0" algn="ctr">
               <a:buNone/>
-              <a:defRPr sz="1600"/>
+              <a:defRPr sz="2000"/>
             </a:lvl7pPr>
             <a:lvl8pPr marL="3200400" indent="0" algn="ctr">
               <a:buNone/>
-              <a:defRPr sz="1600"/>
+              <a:defRPr sz="2000"/>
             </a:lvl8pPr>
             <a:lvl9pPr marL="3657600" indent="0" algn="ctr">
               <a:buNone/>
-              <a:defRPr sz="1600"/>
+              <a:defRPr sz="2000"/>
             </a:lvl9pPr>
           </a:lstStyle>
           <a:p>
@@ -217,7 +263,7 @@
               <a:rPr lang="en-US" smtClean="0"/>
               <a:t>Click to edit Master subtitle style</a:t>
             </a:r>
-            <a:endParaRPr lang="en-US"/>
+            <a:endParaRPr lang="en-US" dirty="0"/>
           </a:p>
         </p:txBody>
       </p:sp>
@@ -234,7 +280,17 @@
         <p:spPr/>
         <p:txBody>
           <a:bodyPr/>
-          <a:lstStyle/>
+          <a:lstStyle>
+            <a:lvl1pPr>
+              <a:defRPr>
+                <a:solidFill>
+                  <a:schemeClr val="tx1">
+                    <a:lumMod val="50000"/>
+                  </a:schemeClr>
+                </a:solidFill>
+              </a:defRPr>
+            </a:lvl1pPr>
+          </a:lstStyle>
           <a:p>
             <a:fld id="{8E28EA1E-1334-45BB-903D-BBA9524B3546}" type="datetimeFigureOut">
               <a:rPr lang="en-US" smtClean="0"/>
@@ -257,7 +313,17 @@
         <p:spPr/>
         <p:txBody>
           <a:bodyPr/>
-          <a:lstStyle/>
+          <a:lstStyle>
+            <a:lvl1pPr>
+              <a:defRPr>
+                <a:solidFill>
+                  <a:schemeClr val="tx1">
+                    <a:lumMod val="65000"/>
+                  </a:schemeClr>
+                </a:solidFill>
+              </a:defRPr>
+            </a:lvl1pPr>
+          </a:lstStyle>
           <a:p>
             <a:endParaRPr lang="en-US"/>
           </a:p>
@@ -276,7 +342,17 @@
         <p:spPr/>
         <p:txBody>
           <a:bodyPr/>
-          <a:lstStyle/>
+          <a:lstStyle>
+            <a:lvl1pPr>
+              <a:defRPr>
+                <a:solidFill>
+                  <a:schemeClr val="tx1">
+                    <a:lumMod val="65000"/>
+                  </a:schemeClr>
+                </a:solidFill>
+              </a:defRPr>
+            </a:lvl1pPr>
+          </a:lstStyle>
           <a:p>
             <a:fld id="{AB7F1FC7-4B08-4063-98EA-1993D726E39D}" type="slidenum">
               <a:rPr lang="en-US" smtClean="0"/>
@@ -286,15 +362,53 @@
           </a:p>
         </p:txBody>
       </p:sp>
+      <p:sp>
+        <p:nvSpPr>
+          <p:cNvPr id="7" name="Rectangle 6"/>
+          <p:cNvSpPr/>
+          <p:nvPr/>
+        </p:nvSpPr>
+        <p:spPr>
+          <a:xfrm>
+            <a:off x="0" y="0"/>
+            <a:ext cx="457200" cy="6858000"/>
+          </a:xfrm>
+          <a:prstGeom prst="rect">
+            <a:avLst/>
+          </a:prstGeom>
+          <a:solidFill>
+            <a:schemeClr val="accent1"/>
+          </a:solidFill>
+          <a:ln>
+            <a:noFill/>
+          </a:ln>
+        </p:spPr>
+        <p:style>
+          <a:lnRef idx="2">
+            <a:schemeClr val="accent1">
+              <a:shade val="50000"/>
+            </a:schemeClr>
+          </a:lnRef>
+          <a:fillRef idx="1">
+            <a:schemeClr val="accent1"/>
+          </a:fillRef>
+          <a:effectRef idx="0">
+            <a:schemeClr val="accent1"/>
+          </a:effectRef>
+          <a:fontRef idx="minor">
+            <a:schemeClr val="lt1"/>
+          </a:fontRef>
+        </p:style>
+      </p:sp>
     </p:spTree>
     <p:extLst>
       <p:ext uri="{BB962C8B-B14F-4D97-AF65-F5344CB8AC3E}">
-        <p14:creationId xmlns:p14="http://schemas.microsoft.com/office/powerpoint/2010/main" val="332483328"/>
+        <p14:creationId xmlns:p14="http://schemas.microsoft.com/office/powerpoint/2010/main" val="634615348"/>
       </p:ext>
     </p:extLst>
   </p:cSld>
   <p:clrMapOvr>
-    <a:masterClrMapping/>
+    <a:overrideClrMapping bg1="dk1" tx1="lt1" bg2="dk2" tx2="lt2" accent1="accent1" accent2="accent2" accent3="accent3" accent4="accent4" accent5="accent5" accent6="accent6" hlink="hlink" folHlink="folHlink"/>
   </p:clrMapOvr>
 </p:sldLayout>
 </file>
@@ -335,7 +449,7 @@
               <a:rPr lang="en-US" smtClean="0"/>
               <a:t>Click to edit Master title style</a:t>
             </a:r>
-            <a:endParaRPr lang="en-US"/>
+            <a:endParaRPr lang="en-US" dirty="0"/>
           </a:p>
         </p:txBody>
       </p:sp>
@@ -387,7 +501,7 @@
               <a:rPr lang="en-US" smtClean="0"/>
               <a:t>Fifth level</a:t>
             </a:r>
-            <a:endParaRPr lang="en-US"/>
+            <a:endParaRPr lang="en-US" dirty="0"/>
           </a:p>
         </p:txBody>
       </p:sp>
@@ -459,7 +573,7 @@
     </p:spTree>
     <p:extLst>
       <p:ext uri="{BB962C8B-B14F-4D97-AF65-F5344CB8AC3E}">
-        <p14:creationId xmlns:p14="http://schemas.microsoft.com/office/powerpoint/2010/main" val="2544014466"/>
+        <p14:creationId xmlns:p14="http://schemas.microsoft.com/office/powerpoint/2010/main" val="2134053911"/>
       </p:ext>
     </p:extLst>
   </p:cSld>
@@ -498,8 +612,8 @@
         </p:nvSpPr>
         <p:spPr>
           <a:xfrm>
-            <a:off x="8724900" y="365125"/>
-            <a:ext cx="2628900" cy="5811838"/>
+            <a:off x="8648700" y="381000"/>
+            <a:ext cx="2476500" cy="5897562"/>
           </a:xfrm>
         </p:spPr>
         <p:txBody>
@@ -510,7 +624,7 @@
               <a:rPr lang="en-US" smtClean="0"/>
               <a:t>Click to edit Master title style</a:t>
             </a:r>
-            <a:endParaRPr lang="en-US"/>
+            <a:endParaRPr lang="en-US" dirty="0"/>
           </a:p>
         </p:txBody>
       </p:sp>
@@ -526,8 +640,8 @@
         </p:nvSpPr>
         <p:spPr>
           <a:xfrm>
-            <a:off x="838200" y="365125"/>
-            <a:ext cx="7734300" cy="5811838"/>
+            <a:off x="762000" y="381000"/>
+            <a:ext cx="7734300" cy="5897562"/>
           </a:xfrm>
         </p:spPr>
         <p:txBody>
@@ -567,7 +681,7 @@
               <a:rPr lang="en-US" smtClean="0"/>
               <a:t>Fifth level</a:t>
             </a:r>
-            <a:endParaRPr lang="en-US"/>
+            <a:endParaRPr lang="en-US" dirty="0"/>
           </a:p>
         </p:txBody>
       </p:sp>
@@ -639,7 +753,7 @@
     </p:spTree>
     <p:extLst>
       <p:ext uri="{BB962C8B-B14F-4D97-AF65-F5344CB8AC3E}">
-        <p14:creationId xmlns:p14="http://schemas.microsoft.com/office/powerpoint/2010/main" val="3344051828"/>
+        <p14:creationId xmlns:p14="http://schemas.microsoft.com/office/powerpoint/2010/main" val="3348629729"/>
       </p:ext>
     </p:extLst>
   </p:cSld>
@@ -685,7 +799,7 @@
               <a:rPr lang="en-US" smtClean="0"/>
               <a:t>Click to edit Master title style</a:t>
             </a:r>
-            <a:endParaRPr lang="en-US"/>
+            <a:endParaRPr lang="en-US" dirty="0"/>
           </a:p>
         </p:txBody>
       </p:sp>
@@ -737,7 +851,7 @@
               <a:rPr lang="en-US" smtClean="0"/>
               <a:t>Fifth level</a:t>
             </a:r>
-            <a:endParaRPr lang="en-US"/>
+            <a:endParaRPr lang="en-US" dirty="0"/>
           </a:p>
         </p:txBody>
       </p:sp>
@@ -809,7 +923,7 @@
     </p:spTree>
     <p:extLst>
       <p:ext uri="{BB962C8B-B14F-4D97-AF65-F5344CB8AC3E}">
-        <p14:creationId xmlns:p14="http://schemas.microsoft.com/office/powerpoint/2010/main" val="1826569771"/>
+        <p14:creationId xmlns:p14="http://schemas.microsoft.com/office/powerpoint/2010/main" val="887322213"/>
       </p:ext>
     </p:extLst>
   </p:cSld>
@@ -848,15 +962,20 @@
         </p:nvSpPr>
         <p:spPr>
           <a:xfrm>
-            <a:off x="831850" y="1709738"/>
-            <a:ext cx="10515600" cy="2852737"/>
+            <a:off x="1261872" y="758952"/>
+            <a:ext cx="9418320" cy="4041648"/>
           </a:xfrm>
         </p:spPr>
         <p:txBody>
-          <a:bodyPr anchor="b"/>
+          <a:bodyPr anchor="b">
+            <a:normAutofit/>
+          </a:bodyPr>
           <a:lstStyle>
             <a:lvl1pPr>
-              <a:defRPr sz="6000"/>
+              <a:lnSpc>
+                <a:spcPct val="85000"/>
+              </a:lnSpc>
+              <a:defRPr sz="7200" b="0"/>
             </a:lvl1pPr>
           </a:lstStyle>
           <a:p>
@@ -864,7 +983,7 @@
               <a:rPr lang="en-US" smtClean="0"/>
               <a:t>Click to edit Master title style</a:t>
             </a:r>
-            <a:endParaRPr lang="en-US"/>
+            <a:endParaRPr lang="en-US" dirty="0"/>
           </a:p>
         </p:txBody>
       </p:sp>
@@ -880,26 +999,29 @@
         </p:nvSpPr>
         <p:spPr>
           <a:xfrm>
-            <a:off x="831850" y="4589463"/>
-            <a:ext cx="10515600" cy="1500187"/>
+            <a:off x="1261872" y="4800600"/>
+            <a:ext cx="9418320" cy="1691640"/>
           </a:xfrm>
         </p:spPr>
         <p:txBody>
-          <a:bodyPr/>
+          <a:bodyPr anchor="t">
+            <a:normAutofit/>
+          </a:bodyPr>
           <a:lstStyle>
             <a:lvl1pPr marL="0" indent="0">
               <a:buNone/>
-              <a:defRPr sz="2400">
+              <a:defRPr sz="2200">
                 <a:solidFill>
                   <a:schemeClr val="tx1">
-                    <a:tint val="75000"/>
+                    <a:lumMod val="65000"/>
+                    <a:lumOff val="35000"/>
                   </a:schemeClr>
                 </a:solidFill>
               </a:defRPr>
             </a:lvl1pPr>
             <a:lvl2pPr marL="457200" indent="0">
               <a:buNone/>
-              <a:defRPr sz="2000">
+              <a:defRPr sz="1800">
                 <a:solidFill>
                   <a:schemeClr val="tx1">
                     <a:tint val="75000"/>
@@ -909,7 +1031,7 @@
             </a:lvl2pPr>
             <a:lvl3pPr marL="914400" indent="0">
               <a:buNone/>
-              <a:defRPr sz="1800">
+              <a:defRPr sz="1600">
                 <a:solidFill>
                   <a:schemeClr val="tx1">
                     <a:tint val="75000"/>
@@ -919,7 +1041,7 @@
             </a:lvl3pPr>
             <a:lvl4pPr marL="1371600" indent="0">
               <a:buNone/>
-              <a:defRPr sz="1600">
+              <a:defRPr sz="1400">
                 <a:solidFill>
                   <a:schemeClr val="tx1">
                     <a:tint val="75000"/>
@@ -929,7 +1051,7 @@
             </a:lvl4pPr>
             <a:lvl5pPr marL="1828800" indent="0">
               <a:buNone/>
-              <a:defRPr sz="1600">
+              <a:defRPr sz="1400">
                 <a:solidFill>
                   <a:schemeClr val="tx1">
                     <a:tint val="75000"/>
@@ -939,7 +1061,7 @@
             </a:lvl5pPr>
             <a:lvl6pPr marL="2286000" indent="0">
               <a:buNone/>
-              <a:defRPr sz="1600">
+              <a:defRPr sz="1400">
                 <a:solidFill>
                   <a:schemeClr val="tx1">
                     <a:tint val="75000"/>
@@ -949,7 +1071,7 @@
             </a:lvl6pPr>
             <a:lvl7pPr marL="2743200" indent="0">
               <a:buNone/>
-              <a:defRPr sz="1600">
+              <a:defRPr sz="1400">
                 <a:solidFill>
                   <a:schemeClr val="tx1">
                     <a:tint val="75000"/>
@@ -959,7 +1081,7 @@
             </a:lvl7pPr>
             <a:lvl8pPr marL="3200400" indent="0">
               <a:buNone/>
-              <a:defRPr sz="1600">
+              <a:defRPr sz="1400">
                 <a:solidFill>
                   <a:schemeClr val="tx1">
                     <a:tint val="75000"/>
@@ -969,7 +1091,7 @@
             </a:lvl8pPr>
             <a:lvl9pPr marL="3657600" indent="0">
               <a:buNone/>
-              <a:defRPr sz="1600">
+              <a:defRPr sz="1400">
                 <a:solidFill>
                   <a:schemeClr val="tx1">
                     <a:tint val="75000"/>
@@ -1052,10 +1174,48 @@
           </a:p>
         </p:txBody>
       </p:sp>
+      <p:sp>
+        <p:nvSpPr>
+          <p:cNvPr id="7" name="Rectangle 6"/>
+          <p:cNvSpPr/>
+          <p:nvPr/>
+        </p:nvSpPr>
+        <p:spPr>
+          <a:xfrm>
+            <a:off x="0" y="0"/>
+            <a:ext cx="457200" cy="6858000"/>
+          </a:xfrm>
+          <a:prstGeom prst="rect">
+            <a:avLst/>
+          </a:prstGeom>
+          <a:solidFill>
+            <a:schemeClr val="accent1"/>
+          </a:solidFill>
+          <a:ln>
+            <a:noFill/>
+          </a:ln>
+        </p:spPr>
+        <p:style>
+          <a:lnRef idx="2">
+            <a:schemeClr val="accent1">
+              <a:shade val="50000"/>
+            </a:schemeClr>
+          </a:lnRef>
+          <a:fillRef idx="1">
+            <a:schemeClr val="accent1"/>
+          </a:fillRef>
+          <a:effectRef idx="0">
+            <a:schemeClr val="accent1"/>
+          </a:effectRef>
+          <a:fontRef idx="minor">
+            <a:schemeClr val="lt1"/>
+          </a:fontRef>
+        </p:style>
+      </p:sp>
     </p:spTree>
     <p:extLst>
       <p:ext uri="{BB962C8B-B14F-4D97-AF65-F5344CB8AC3E}">
-        <p14:creationId xmlns:p14="http://schemas.microsoft.com/office/powerpoint/2010/main" val="640916051"/>
+        <p14:creationId xmlns:p14="http://schemas.microsoft.com/office/powerpoint/2010/main" val="356035310"/>
       </p:ext>
     </p:extLst>
   </p:cSld>
@@ -1101,7 +1261,7 @@
               <a:rPr lang="en-US" smtClean="0"/>
               <a:t>Click to edit Master title style</a:t>
             </a:r>
-            <a:endParaRPr lang="en-US"/>
+            <a:endParaRPr lang="en-US" dirty="0"/>
           </a:p>
         </p:txBody>
       </p:sp>
@@ -1117,13 +1277,41 @@
         </p:nvSpPr>
         <p:spPr>
           <a:xfrm>
-            <a:off x="838200" y="1825625"/>
-            <a:ext cx="5181600" cy="4351338"/>
+            <a:off x="1261872" y="1828800"/>
+            <a:ext cx="4480560" cy="4351337"/>
           </a:xfrm>
         </p:spPr>
         <p:txBody>
           <a:bodyPr/>
-          <a:lstStyle/>
+          <a:lstStyle>
+            <a:lvl1pPr>
+              <a:defRPr sz="1800"/>
+            </a:lvl1pPr>
+            <a:lvl2pPr>
+              <a:defRPr sz="1600"/>
+            </a:lvl2pPr>
+            <a:lvl3pPr>
+              <a:defRPr sz="1400"/>
+            </a:lvl3pPr>
+            <a:lvl4pPr>
+              <a:defRPr sz="1400"/>
+            </a:lvl4pPr>
+            <a:lvl5pPr>
+              <a:defRPr sz="1400"/>
+            </a:lvl5pPr>
+            <a:lvl6pPr>
+              <a:defRPr sz="1400"/>
+            </a:lvl6pPr>
+            <a:lvl7pPr>
+              <a:defRPr sz="1400"/>
+            </a:lvl7pPr>
+            <a:lvl8pPr>
+              <a:defRPr sz="1400"/>
+            </a:lvl8pPr>
+            <a:lvl9pPr>
+              <a:defRPr sz="1400"/>
+            </a:lvl9pPr>
+          </a:lstStyle>
           <a:p>
             <a:pPr lvl="0"/>
             <a:r>
@@ -1158,7 +1346,7 @@
               <a:rPr lang="en-US" smtClean="0"/>
               <a:t>Fifth level</a:t>
             </a:r>
-            <a:endParaRPr lang="en-US"/>
+            <a:endParaRPr lang="en-US" dirty="0"/>
           </a:p>
         </p:txBody>
       </p:sp>
@@ -1174,13 +1362,41 @@
         </p:nvSpPr>
         <p:spPr>
           <a:xfrm>
-            <a:off x="6172200" y="1825625"/>
-            <a:ext cx="5181600" cy="4351338"/>
+            <a:off x="6126480" y="1828800"/>
+            <a:ext cx="4480560" cy="4351337"/>
           </a:xfrm>
         </p:spPr>
         <p:txBody>
           <a:bodyPr/>
-          <a:lstStyle/>
+          <a:lstStyle>
+            <a:lvl1pPr>
+              <a:defRPr sz="1800"/>
+            </a:lvl1pPr>
+            <a:lvl2pPr>
+              <a:defRPr sz="1600"/>
+            </a:lvl2pPr>
+            <a:lvl3pPr>
+              <a:defRPr sz="1400"/>
+            </a:lvl3pPr>
+            <a:lvl4pPr>
+              <a:defRPr sz="1400"/>
+            </a:lvl4pPr>
+            <a:lvl5pPr>
+              <a:defRPr sz="1400"/>
+            </a:lvl5pPr>
+            <a:lvl6pPr>
+              <a:defRPr sz="1400"/>
+            </a:lvl6pPr>
+            <a:lvl7pPr>
+              <a:defRPr sz="1400"/>
+            </a:lvl7pPr>
+            <a:lvl8pPr>
+              <a:defRPr sz="1400"/>
+            </a:lvl8pPr>
+            <a:lvl9pPr>
+              <a:defRPr sz="1400"/>
+            </a:lvl9pPr>
+          </a:lstStyle>
           <a:p>
             <a:pPr lvl="0"/>
             <a:r>
@@ -1215,7 +1431,7 @@
               <a:rPr lang="en-US" smtClean="0"/>
               <a:t>Fifth level</a:t>
             </a:r>
-            <a:endParaRPr lang="en-US"/>
+            <a:endParaRPr lang="en-US" dirty="0"/>
           </a:p>
         </p:txBody>
       </p:sp>
@@ -1287,7 +1503,7 @@
     </p:spTree>
     <p:extLst>
       <p:ext uri="{BB962C8B-B14F-4D97-AF65-F5344CB8AC3E}">
-        <p14:creationId xmlns:p14="http://schemas.microsoft.com/office/powerpoint/2010/main" val="3512435763"/>
+        <p14:creationId xmlns:p14="http://schemas.microsoft.com/office/powerpoint/2010/main" val="4278280213"/>
       </p:ext>
     </p:extLst>
   </p:cSld>
@@ -1316,54 +1532,58 @@
       </p:grpSpPr>
       <p:sp>
         <p:nvSpPr>
-          <p:cNvPr id="2" name="Title 1"/>
+          <p:cNvPr id="10" name="Title 9"/>
           <p:cNvSpPr>
             <a:spLocks noGrp="1"/>
           </p:cNvSpPr>
           <p:nvPr>
             <p:ph type="title"/>
+          </p:nvPr>
+        </p:nvSpPr>
+        <p:spPr/>
+        <p:txBody>
+          <a:bodyPr/>
+          <a:lstStyle/>
+          <a:p>
+            <a:r>
+              <a:rPr lang="en-US" smtClean="0"/>
+              <a:t>Click to edit Master title style</a:t>
+            </a:r>
+            <a:endParaRPr lang="en-US" dirty="0"/>
+          </a:p>
+        </p:txBody>
+      </p:sp>
+      <p:sp>
+        <p:nvSpPr>
+          <p:cNvPr id="3" name="Text Placeholder 2"/>
+          <p:cNvSpPr>
+            <a:spLocks noGrp="1"/>
+          </p:cNvSpPr>
+          <p:nvPr>
+            <p:ph type="body" idx="1"/>
           </p:nvPr>
         </p:nvSpPr>
         <p:spPr>
           <a:xfrm>
-            <a:off x="839788" y="365125"/>
-            <a:ext cx="10515600" cy="1325563"/>
+            <a:off x="1261872" y="1713655"/>
+            <a:ext cx="4480560" cy="731520"/>
           </a:xfrm>
         </p:spPr>
         <p:txBody>
-          <a:bodyPr/>
-          <a:lstStyle/>
-          <a:p>
-            <a:r>
-              <a:rPr lang="en-US" smtClean="0"/>
-              <a:t>Click to edit Master title style</a:t>
-            </a:r>
-            <a:endParaRPr lang="en-US"/>
-          </a:p>
-        </p:txBody>
-      </p:sp>
-      <p:sp>
-        <p:nvSpPr>
-          <p:cNvPr id="3" name="Text Placeholder 2"/>
-          <p:cNvSpPr>
-            <a:spLocks noGrp="1"/>
-          </p:cNvSpPr>
-          <p:nvPr>
-            <p:ph type="body" idx="1"/>
-          </p:nvPr>
-        </p:nvSpPr>
-        <p:spPr>
-          <a:xfrm>
-            <a:off x="839788" y="1681163"/>
-            <a:ext cx="5157787" cy="823912"/>
-          </a:xfrm>
-        </p:spPr>
-        <p:txBody>
-          <a:bodyPr anchor="b"/>
+          <a:bodyPr anchor="b">
+            <a:normAutofit/>
+          </a:bodyPr>
           <a:lstStyle>
             <a:lvl1pPr marL="0" indent="0">
-              <a:buNone/>
-              <a:defRPr sz="2400" b="1"/>
+              <a:spcBef>
+                <a:spcPts val="0"/>
+              </a:spcBef>
+              <a:buNone/>
+              <a:defRPr sz="2000" b="0">
+                <a:solidFill>
+                  <a:schemeClr val="tx2"/>
+                </a:solidFill>
+              </a:defRPr>
             </a:lvl1pPr>
             <a:lvl2pPr marL="457200" indent="0">
               <a:buNone/>
@@ -1419,13 +1639,41 @@
         </p:nvSpPr>
         <p:spPr>
           <a:xfrm>
-            <a:off x="839788" y="2505075"/>
-            <a:ext cx="5157787" cy="3684588"/>
+            <a:off x="1261872" y="2507550"/>
+            <a:ext cx="4480560" cy="3664650"/>
           </a:xfrm>
         </p:spPr>
         <p:txBody>
           <a:bodyPr/>
-          <a:lstStyle/>
+          <a:lstStyle>
+            <a:lvl1pPr>
+              <a:defRPr sz="1800"/>
+            </a:lvl1pPr>
+            <a:lvl2pPr>
+              <a:defRPr sz="1600"/>
+            </a:lvl2pPr>
+            <a:lvl3pPr>
+              <a:defRPr sz="1400"/>
+            </a:lvl3pPr>
+            <a:lvl4pPr>
+              <a:defRPr sz="1400"/>
+            </a:lvl4pPr>
+            <a:lvl5pPr>
+              <a:defRPr sz="1400"/>
+            </a:lvl5pPr>
+            <a:lvl6pPr>
+              <a:defRPr sz="1400"/>
+            </a:lvl6pPr>
+            <a:lvl7pPr>
+              <a:defRPr sz="1400"/>
+            </a:lvl7pPr>
+            <a:lvl8pPr>
+              <a:defRPr sz="1400"/>
+            </a:lvl8pPr>
+            <a:lvl9pPr>
+              <a:defRPr sz="1400"/>
+            </a:lvl9pPr>
+          </a:lstStyle>
           <a:p>
             <a:pPr lvl="0"/>
             <a:r>
@@ -1460,7 +1708,7 @@
               <a:rPr lang="en-US" smtClean="0"/>
               <a:t>Fifth level</a:t>
             </a:r>
-            <a:endParaRPr lang="en-US"/>
+            <a:endParaRPr lang="en-US" dirty="0"/>
           </a:p>
         </p:txBody>
       </p:sp>
@@ -1476,16 +1724,31 @@
         </p:nvSpPr>
         <p:spPr>
           <a:xfrm>
-            <a:off x="6172200" y="1681163"/>
-            <a:ext cx="5183188" cy="823912"/>
+            <a:off x="6126480" y="1713655"/>
+            <a:ext cx="4480560" cy="731520"/>
           </a:xfrm>
         </p:spPr>
         <p:txBody>
-          <a:bodyPr anchor="b"/>
+          <a:bodyPr anchor="b">
+            <a:normAutofit/>
+          </a:bodyPr>
           <a:lstStyle>
             <a:lvl1pPr marL="0" indent="0">
-              <a:buNone/>
-              <a:defRPr sz="2400" b="1"/>
+              <a:lnSpc>
+                <a:spcPct val="95000"/>
+              </a:lnSpc>
+              <a:spcBef>
+                <a:spcPts val="0"/>
+              </a:spcBef>
+              <a:buNone/>
+              <a:defRPr lang="en-US" sz="2000" b="0" kern="1200" dirty="0">
+                <a:solidFill>
+                  <a:schemeClr val="tx2"/>
+                </a:solidFill>
+                <a:latin typeface="+mn-lt"/>
+                <a:ea typeface="+mn-ea"/>
+                <a:cs typeface="+mn-cs"/>
+              </a:defRPr>
             </a:lvl1pPr>
             <a:lvl2pPr marL="457200" indent="0">
               <a:buNone/>
@@ -1521,7 +1784,16 @@
             </a:lvl9pPr>
           </a:lstStyle>
           <a:p>
-            <a:pPr lvl="0"/>
+            <a:pPr marL="0" lvl="0" indent="0" algn="l" defTabSz="914400" rtl="0" eaLnBrk="1" latinLnBrk="0" hangingPunct="1">
+              <a:lnSpc>
+                <a:spcPct val="90000"/>
+              </a:lnSpc>
+              <a:spcBef>
+                <a:spcPts val="2000"/>
+              </a:spcBef>
+              <a:buFontTx/>
+              <a:buNone/>
+            </a:pPr>
             <a:r>
               <a:rPr lang="en-US" smtClean="0"/>
               <a:t>Edit Master text styles</a:t>
@@ -1541,13 +1813,41 @@
         </p:nvSpPr>
         <p:spPr>
           <a:xfrm>
-            <a:off x="6172200" y="2505075"/>
-            <a:ext cx="5183188" cy="3684588"/>
+            <a:off x="6126480" y="2507550"/>
+            <a:ext cx="4480560" cy="3664650"/>
           </a:xfrm>
         </p:spPr>
         <p:txBody>
           <a:bodyPr/>
-          <a:lstStyle/>
+          <a:lstStyle>
+            <a:lvl1pPr>
+              <a:defRPr sz="1800"/>
+            </a:lvl1pPr>
+            <a:lvl2pPr>
+              <a:defRPr sz="1600"/>
+            </a:lvl2pPr>
+            <a:lvl3pPr>
+              <a:defRPr sz="1400"/>
+            </a:lvl3pPr>
+            <a:lvl4pPr>
+              <a:defRPr sz="1400"/>
+            </a:lvl4pPr>
+            <a:lvl5pPr>
+              <a:defRPr sz="1400"/>
+            </a:lvl5pPr>
+            <a:lvl6pPr>
+              <a:defRPr sz="1400"/>
+            </a:lvl6pPr>
+            <a:lvl7pPr>
+              <a:defRPr sz="1400"/>
+            </a:lvl7pPr>
+            <a:lvl8pPr>
+              <a:defRPr sz="1400"/>
+            </a:lvl8pPr>
+            <a:lvl9pPr>
+              <a:defRPr sz="1400"/>
+            </a:lvl9pPr>
+          </a:lstStyle>
           <a:p>
             <a:pPr lvl="0"/>
             <a:r>
@@ -1582,7 +1882,7 @@
               <a:rPr lang="en-US" smtClean="0"/>
               <a:t>Fifth level</a:t>
             </a:r>
-            <a:endParaRPr lang="en-US"/>
+            <a:endParaRPr lang="en-US" dirty="0"/>
           </a:p>
         </p:txBody>
       </p:sp>
@@ -1654,7 +1954,7 @@
     </p:spTree>
     <p:extLst>
       <p:ext uri="{BB962C8B-B14F-4D97-AF65-F5344CB8AC3E}">
-        <p14:creationId xmlns:p14="http://schemas.microsoft.com/office/powerpoint/2010/main" val="1625028511"/>
+        <p14:creationId xmlns:p14="http://schemas.microsoft.com/office/powerpoint/2010/main" val="3549082964"/>
       </p:ext>
     </p:extLst>
   </p:cSld>
@@ -1683,7 +1983,7 @@
       </p:grpSpPr>
       <p:sp>
         <p:nvSpPr>
-          <p:cNvPr id="2" name="Title 1"/>
+          <p:cNvPr id="6" name="Title 5"/>
           <p:cNvSpPr>
             <a:spLocks noGrp="1"/>
           </p:cNvSpPr>
@@ -1700,7 +2000,7 @@
               <a:rPr lang="en-US" smtClean="0"/>
               <a:t>Click to edit Master title style</a:t>
             </a:r>
-            <a:endParaRPr lang="en-US"/>
+            <a:endParaRPr lang="en-US" dirty="0"/>
           </a:p>
         </p:txBody>
       </p:sp>
@@ -1772,7 +2072,7 @@
     </p:spTree>
     <p:extLst>
       <p:ext uri="{BB962C8B-B14F-4D97-AF65-F5344CB8AC3E}">
-        <p14:creationId xmlns:p14="http://schemas.microsoft.com/office/powerpoint/2010/main" val="2643195373"/>
+        <p14:creationId xmlns:p14="http://schemas.microsoft.com/office/powerpoint/2010/main" val="3960616888"/>
       </p:ext>
     </p:extLst>
   </p:cSld>
@@ -1867,7 +2167,7 @@
     </p:spTree>
     <p:extLst>
       <p:ext uri="{BB962C8B-B14F-4D97-AF65-F5344CB8AC3E}">
-        <p14:creationId xmlns:p14="http://schemas.microsoft.com/office/powerpoint/2010/main" val="3135732726"/>
+        <p14:creationId xmlns:p14="http://schemas.microsoft.com/office/powerpoint/2010/main" val="3691132897"/>
       </p:ext>
     </p:extLst>
   </p:cSld>
@@ -1906,15 +2206,17 @@
         </p:nvSpPr>
         <p:spPr>
           <a:xfrm>
-            <a:off x="839788" y="457200"/>
-            <a:ext cx="3932237" cy="1600200"/>
+            <a:off x="841248" y="457200"/>
+            <a:ext cx="3200400" cy="1600197"/>
           </a:xfrm>
         </p:spPr>
         <p:txBody>
-          <a:bodyPr anchor="b"/>
+          <a:bodyPr anchor="b">
+            <a:normAutofit/>
+          </a:bodyPr>
           <a:lstStyle>
             <a:lvl1pPr>
-              <a:defRPr sz="3200"/>
+              <a:defRPr sz="3200" b="0" baseline="0"/>
             </a:lvl1pPr>
           </a:lstStyle>
           <a:p>
@@ -1922,7 +2224,7 @@
               <a:rPr lang="en-US" smtClean="0"/>
               <a:t>Click to edit Master title style</a:t>
             </a:r>
-            <a:endParaRPr lang="en-US"/>
+            <a:endParaRPr lang="en-US" dirty="0"/>
           </a:p>
         </p:txBody>
       </p:sp>
@@ -1938,39 +2240,39 @@
         </p:nvSpPr>
         <p:spPr>
           <a:xfrm>
-            <a:off x="5183188" y="987425"/>
-            <a:ext cx="6172200" cy="4873625"/>
+            <a:off x="4504267" y="685800"/>
+            <a:ext cx="6079066" cy="5486400"/>
           </a:xfrm>
         </p:spPr>
         <p:txBody>
           <a:bodyPr/>
           <a:lstStyle>
             <a:lvl1pPr>
-              <a:defRPr sz="3200"/>
+              <a:defRPr sz="2000"/>
             </a:lvl1pPr>
             <a:lvl2pPr>
-              <a:defRPr sz="2800"/>
+              <a:defRPr sz="1800"/>
             </a:lvl2pPr>
             <a:lvl3pPr>
-              <a:defRPr sz="2400"/>
+              <a:defRPr sz="1600"/>
             </a:lvl3pPr>
             <a:lvl4pPr>
-              <a:defRPr sz="2000"/>
+              <a:defRPr sz="1400"/>
             </a:lvl4pPr>
             <a:lvl5pPr>
-              <a:defRPr sz="2000"/>
+              <a:defRPr sz="1400"/>
             </a:lvl5pPr>
             <a:lvl6pPr>
-              <a:defRPr sz="2000"/>
+              <a:defRPr sz="1400"/>
             </a:lvl6pPr>
             <a:lvl7pPr>
-              <a:defRPr sz="2000"/>
+              <a:defRPr sz="1400"/>
             </a:lvl7pPr>
             <a:lvl8pPr>
-              <a:defRPr sz="2000"/>
+              <a:defRPr sz="1400"/>
             </a:lvl8pPr>
             <a:lvl9pPr>
-              <a:defRPr sz="2000"/>
+              <a:defRPr sz="1400"/>
             </a:lvl9pPr>
           </a:lstStyle>
           <a:p>
@@ -2007,7 +2309,7 @@
               <a:rPr lang="en-US" smtClean="0"/>
               <a:t>Fifth level</a:t>
             </a:r>
-            <a:endParaRPr lang="en-US"/>
+            <a:endParaRPr lang="en-US" dirty="0"/>
           </a:p>
         </p:txBody>
       </p:sp>
@@ -2023,48 +2325,56 @@
         </p:nvSpPr>
         <p:spPr>
           <a:xfrm>
-            <a:off x="839788" y="2057400"/>
-            <a:ext cx="3932237" cy="3811588"/>
+            <a:off x="841248" y="2099734"/>
+            <a:ext cx="3200400" cy="3810001"/>
           </a:xfrm>
         </p:spPr>
         <p:txBody>
-          <a:bodyPr/>
+          <a:bodyPr>
+            <a:normAutofit/>
+          </a:bodyPr>
           <a:lstStyle>
             <a:lvl1pPr marL="0" indent="0">
-              <a:buNone/>
-              <a:defRPr sz="1600"/>
+              <a:lnSpc>
+                <a:spcPct val="114000"/>
+              </a:lnSpc>
+              <a:spcBef>
+                <a:spcPts val="800"/>
+              </a:spcBef>
+              <a:buNone/>
+              <a:defRPr sz="1300"/>
             </a:lvl1pPr>
             <a:lvl2pPr marL="457200" indent="0">
               <a:buNone/>
-              <a:defRPr sz="1400"/>
+              <a:defRPr sz="1200"/>
             </a:lvl2pPr>
             <a:lvl3pPr marL="914400" indent="0">
               <a:buNone/>
-              <a:defRPr sz="1200"/>
+              <a:defRPr sz="1000"/>
             </a:lvl3pPr>
             <a:lvl4pPr marL="1371600" indent="0">
               <a:buNone/>
-              <a:defRPr sz="1000"/>
+              <a:defRPr sz="900"/>
             </a:lvl4pPr>
             <a:lvl5pPr marL="1828800" indent="0">
               <a:buNone/>
-              <a:defRPr sz="1000"/>
+              <a:defRPr sz="900"/>
             </a:lvl5pPr>
             <a:lvl6pPr marL="2286000" indent="0">
               <a:buNone/>
-              <a:defRPr sz="1000"/>
+              <a:defRPr sz="900"/>
             </a:lvl6pPr>
             <a:lvl7pPr marL="2743200" indent="0">
               <a:buNone/>
-              <a:defRPr sz="1000"/>
+              <a:defRPr sz="900"/>
             </a:lvl7pPr>
             <a:lvl8pPr marL="3200400" indent="0">
               <a:buNone/>
-              <a:defRPr sz="1000"/>
+              <a:defRPr sz="900"/>
             </a:lvl8pPr>
             <a:lvl9pPr marL="3657600" indent="0">
               <a:buNone/>
-              <a:defRPr sz="1000"/>
+              <a:defRPr sz="900"/>
             </a:lvl9pPr>
           </a:lstStyle>
           <a:p>
@@ -2144,7 +2454,7 @@
     </p:spTree>
     <p:extLst>
       <p:ext uri="{BB962C8B-B14F-4D97-AF65-F5344CB8AC3E}">
-        <p14:creationId xmlns:p14="http://schemas.microsoft.com/office/powerpoint/2010/main" val="730468766"/>
+        <p14:creationId xmlns:p14="http://schemas.microsoft.com/office/powerpoint/2010/main" val="1279866842"/>
       </p:ext>
     </p:extLst>
   </p:cSld>
@@ -2173,25 +2483,69 @@
       </p:grpSpPr>
       <p:sp>
         <p:nvSpPr>
-          <p:cNvPr id="2" name="Title 1"/>
-          <p:cNvSpPr>
-            <a:spLocks noGrp="1"/>
-          </p:cNvSpPr>
-          <p:nvPr>
-            <p:ph type="title"/>
-          </p:nvPr>
+          <p:cNvPr id="8" name="Rectangle 7"/>
+          <p:cNvSpPr/>
+          <p:nvPr/>
         </p:nvSpPr>
         <p:spPr>
           <a:xfrm>
-            <a:off x="839788" y="457200"/>
-            <a:ext cx="3932237" cy="1600200"/>
+            <a:off x="0" y="5105400"/>
+            <a:ext cx="11292840" cy="1752600"/>
+          </a:xfrm>
+          <a:prstGeom prst="rect">
+            <a:avLst/>
+          </a:prstGeom>
+          <a:solidFill>
+            <a:srgbClr val="000000"/>
+          </a:solidFill>
+          <a:ln>
+            <a:noFill/>
+          </a:ln>
+        </p:spPr>
+        <p:style>
+          <a:lnRef idx="2">
+            <a:schemeClr val="accent1">
+              <a:shade val="50000"/>
+            </a:schemeClr>
+          </a:lnRef>
+          <a:fillRef idx="1">
+            <a:schemeClr val="accent1"/>
+          </a:fillRef>
+          <a:effectRef idx="0">
+            <a:schemeClr val="accent1"/>
+          </a:effectRef>
+          <a:fontRef idx="minor">
+            <a:schemeClr val="lt1"/>
+          </a:fontRef>
+        </p:style>
+      </p:sp>
+      <p:sp>
+        <p:nvSpPr>
+          <p:cNvPr id="2" name="Title 1"/>
+          <p:cNvSpPr>
+            <a:spLocks noGrp="1"/>
+          </p:cNvSpPr>
+          <p:nvPr>
+            <p:ph type="title"/>
+          </p:nvPr>
+        </p:nvSpPr>
+        <p:spPr>
+          <a:xfrm>
+            <a:off x="914400" y="5257800"/>
+            <a:ext cx="9982200" cy="914400"/>
           </a:xfrm>
         </p:spPr>
         <p:txBody>
-          <a:bodyPr anchor="b"/>
+          <a:bodyPr anchor="b">
+            <a:normAutofit/>
+          </a:bodyPr>
           <a:lstStyle>
             <a:lvl1pPr>
-              <a:defRPr sz="3200"/>
+              <a:defRPr sz="2800" b="0">
+                <a:solidFill>
+                  <a:schemeClr val="bg1"/>
+                </a:solidFill>
+              </a:defRPr>
             </a:lvl1pPr>
           </a:lstStyle>
           <a:p>
@@ -2199,7 +2553,7 @@
               <a:rPr lang="en-US" smtClean="0"/>
               <a:t>Click to edit Master title style</a:t>
             </a:r>
-            <a:endParaRPr lang="en-US"/>
+            <a:endParaRPr lang="en-US" dirty="0"/>
           </a:p>
         </p:txBody>
       </p:sp>
@@ -2207,7 +2561,7 @@
         <p:nvSpPr>
           <p:cNvPr id="3" name="Picture Placeholder 2"/>
           <p:cNvSpPr>
-            <a:spLocks noGrp="1"/>
+            <a:spLocks noGrp="1" noChangeAspect="1"/>
           </p:cNvSpPr>
           <p:nvPr>
             <p:ph type="pic" idx="1"/>
@@ -2215,16 +2569,23 @@
         </p:nvSpPr>
         <p:spPr>
           <a:xfrm>
-            <a:off x="5183188" y="987425"/>
-            <a:ext cx="6172200" cy="4873625"/>
+            <a:off x="0" y="0"/>
+            <a:ext cx="11292840" cy="5128923"/>
           </a:xfrm>
+          <a:solidFill>
+            <a:schemeClr val="accent1"/>
+          </a:solidFill>
         </p:spPr>
         <p:txBody>
-          <a:bodyPr/>
+          <a:bodyPr anchor="t"/>
           <a:lstStyle>
             <a:lvl1pPr marL="0" indent="0">
               <a:buNone/>
-              <a:defRPr sz="3200"/>
+              <a:defRPr sz="3200">
+                <a:solidFill>
+                  <a:schemeClr val="bg1"/>
+                </a:solidFill>
+              </a:defRPr>
             </a:lvl1pPr>
             <a:lvl2pPr marL="457200" indent="0">
               <a:buNone/>
@@ -2260,7 +2621,11 @@
             </a:lvl9pPr>
           </a:lstStyle>
           <a:p>
-            <a:endParaRPr lang="en-US"/>
+            <a:r>
+              <a:rPr lang="en-US" smtClean="0"/>
+              <a:t>Click icon to add picture</a:t>
+            </a:r>
+            <a:endParaRPr lang="en-US" dirty="0"/>
           </a:p>
         </p:txBody>
       </p:sp>
@@ -2276,48 +2641,62 @@
         </p:nvSpPr>
         <p:spPr>
           <a:xfrm>
-            <a:off x="839788" y="2057400"/>
-            <a:ext cx="3932237" cy="3811588"/>
+            <a:off x="914400" y="6108589"/>
+            <a:ext cx="9982200" cy="597011"/>
           </a:xfrm>
         </p:spPr>
         <p:txBody>
-          <a:bodyPr/>
+          <a:bodyPr>
+            <a:normAutofit/>
+          </a:bodyPr>
           <a:lstStyle>
             <a:lvl1pPr marL="0" indent="0">
-              <a:buNone/>
-              <a:defRPr sz="1600"/>
+              <a:lnSpc>
+                <a:spcPct val="100000"/>
+              </a:lnSpc>
+              <a:spcBef>
+                <a:spcPts val="800"/>
+              </a:spcBef>
+              <a:buNone/>
+              <a:defRPr sz="1300">
+                <a:solidFill>
+                  <a:schemeClr val="bg1">
+                    <a:lumMod val="85000"/>
+                  </a:schemeClr>
+                </a:solidFill>
+              </a:defRPr>
             </a:lvl1pPr>
             <a:lvl2pPr marL="457200" indent="0">
               <a:buNone/>
-              <a:defRPr sz="1400"/>
+              <a:defRPr sz="1200"/>
             </a:lvl2pPr>
             <a:lvl3pPr marL="914400" indent="0">
               <a:buNone/>
-              <a:defRPr sz="1200"/>
+              <a:defRPr sz="1000"/>
             </a:lvl3pPr>
             <a:lvl4pPr marL="1371600" indent="0">
               <a:buNone/>
-              <a:defRPr sz="1000"/>
+              <a:defRPr sz="900"/>
             </a:lvl4pPr>
             <a:lvl5pPr marL="1828800" indent="0">
               <a:buNone/>
-              <a:defRPr sz="1000"/>
+              <a:defRPr sz="900"/>
             </a:lvl5pPr>
             <a:lvl6pPr marL="2286000" indent="0">
               <a:buNone/>
-              <a:defRPr sz="1000"/>
+              <a:defRPr sz="900"/>
             </a:lvl6pPr>
             <a:lvl7pPr marL="2743200" indent="0">
               <a:buNone/>
-              <a:defRPr sz="1000"/>
+              <a:defRPr sz="900"/>
             </a:lvl7pPr>
             <a:lvl8pPr marL="3200400" indent="0">
               <a:buNone/>
-              <a:defRPr sz="1000"/>
+              <a:defRPr sz="900"/>
             </a:lvl8pPr>
             <a:lvl9pPr marL="3657600" indent="0">
               <a:buNone/>
-              <a:defRPr sz="1000"/>
+              <a:defRPr sz="900"/>
             </a:lvl9pPr>
           </a:lstStyle>
           <a:p>
@@ -2397,7 +2776,7 @@
     </p:spTree>
     <p:extLst>
       <p:ext uri="{BB962C8B-B14F-4D97-AF65-F5344CB8AC3E}">
-        <p14:creationId xmlns:p14="http://schemas.microsoft.com/office/powerpoint/2010/main" val="3490475320"/>
+        <p14:creationId xmlns:p14="http://schemas.microsoft.com/office/powerpoint/2010/main" val="757055082"/>
       </p:ext>
     </p:extLst>
   </p:cSld>
@@ -2431,25 +2810,65 @@
       </p:grpSpPr>
       <p:sp>
         <p:nvSpPr>
-          <p:cNvPr id="2" name="Title Placeholder 1"/>
-          <p:cNvSpPr>
-            <a:spLocks noGrp="1"/>
-          </p:cNvSpPr>
-          <p:nvPr>
-            <p:ph type="title"/>
-          </p:nvPr>
+          <p:cNvPr id="7" name="Rectangle 6"/>
+          <p:cNvSpPr/>
+          <p:nvPr/>
         </p:nvSpPr>
         <p:spPr>
           <a:xfrm>
-            <a:off x="838200" y="365125"/>
-            <a:ext cx="10515600" cy="1325563"/>
+            <a:off x="11292840" y="0"/>
+            <a:ext cx="914400" cy="6858000"/>
+          </a:xfrm>
+          <a:prstGeom prst="rect">
+            <a:avLst/>
+          </a:prstGeom>
+          <a:solidFill>
+            <a:schemeClr val="tx2">
+              <a:lumMod val="75000"/>
+            </a:schemeClr>
+          </a:solidFill>
+          <a:ln>
+            <a:noFill/>
+          </a:ln>
+        </p:spPr>
+        <p:style>
+          <a:lnRef idx="2">
+            <a:schemeClr val="accent1">
+              <a:shade val="50000"/>
+            </a:schemeClr>
+          </a:lnRef>
+          <a:fillRef idx="1">
+            <a:schemeClr val="accent1"/>
+          </a:fillRef>
+          <a:effectRef idx="0">
+            <a:schemeClr val="accent1"/>
+          </a:effectRef>
+          <a:fontRef idx="minor">
+            <a:schemeClr val="lt1"/>
+          </a:fontRef>
+        </p:style>
+      </p:sp>
+      <p:sp>
+        <p:nvSpPr>
+          <p:cNvPr id="2" name="Title Placeholder 1"/>
+          <p:cNvSpPr>
+            <a:spLocks noGrp="1"/>
+          </p:cNvSpPr>
+          <p:nvPr>
+            <p:ph type="title"/>
+          </p:nvPr>
+        </p:nvSpPr>
+        <p:spPr>
+          <a:xfrm>
+            <a:off x="1261872" y="365760"/>
+            <a:ext cx="9692640" cy="1325562"/>
           </a:xfrm>
           <a:prstGeom prst="rect">
             <a:avLst/>
           </a:prstGeom>
         </p:spPr>
         <p:txBody>
-          <a:bodyPr vert="horz" lIns="91440" tIns="45720" rIns="91440" bIns="45720" rtlCol="0" anchor="ctr">
+          <a:bodyPr vert="horz" lIns="91440" tIns="45720" rIns="91440" bIns="45720" rtlCol="0" anchor="b">
             <a:normAutofit/>
           </a:bodyPr>
           <a:lstStyle/>
@@ -2458,7 +2877,7 @@
               <a:rPr lang="en-US" smtClean="0"/>
               <a:t>Click to edit Master title style</a:t>
             </a:r>
-            <a:endParaRPr lang="en-US"/>
+            <a:endParaRPr lang="en-US" dirty="0"/>
           </a:p>
         </p:txBody>
       </p:sp>
@@ -2474,8 +2893,8 @@
         </p:nvSpPr>
         <p:spPr>
           <a:xfrm>
-            <a:off x="838200" y="1825625"/>
-            <a:ext cx="10515600" cy="4351338"/>
+            <a:off x="1261872" y="1828800"/>
+            <a:ext cx="8595360" cy="4351337"/>
           </a:xfrm>
           <a:prstGeom prst="rect">
             <a:avLst/>
@@ -2520,7 +2939,7 @@
               <a:rPr lang="en-US" smtClean="0"/>
               <a:t>Fifth level</a:t>
             </a:r>
-            <a:endParaRPr lang="en-US"/>
+            <a:endParaRPr lang="en-US" dirty="0"/>
           </a:p>
         </p:txBody>
       </p:sp>
@@ -2535,9 +2954,9 @@
           </p:nvPr>
         </p:nvSpPr>
         <p:spPr>
-          <a:xfrm>
-            <a:off x="838200" y="6356350"/>
-            <a:ext cx="2743200" cy="365125"/>
+          <a:xfrm rot="16200000">
+            <a:off x="10797542" y="998537"/>
+            <a:ext cx="1904999" cy="365125"/>
           </a:xfrm>
           <a:prstGeom prst="rect">
             <a:avLst/>
@@ -2546,11 +2965,12 @@
         <p:txBody>
           <a:bodyPr vert="horz" lIns="91440" tIns="45720" rIns="91440" bIns="45720" rtlCol="0" anchor="ctr"/>
           <a:lstStyle>
-            <a:lvl1pPr algn="l">
-              <a:defRPr sz="1200">
+            <a:lvl1pPr algn="r">
+              <a:defRPr sz="1050" b="0">
                 <a:solidFill>
-                  <a:schemeClr val="tx1">
-                    <a:tint val="75000"/>
+                  <a:schemeClr val="tx2">
+                    <a:lumMod val="20000"/>
+                    <a:lumOff val="80000"/>
                   </a:schemeClr>
                 </a:solidFill>
               </a:defRPr>
@@ -2576,9 +2996,9 @@
           </p:nvPr>
         </p:nvSpPr>
         <p:spPr>
-          <a:xfrm>
-            <a:off x="4038600" y="6356350"/>
-            <a:ext cx="4114800" cy="365125"/>
+          <a:xfrm rot="16200000">
+            <a:off x="9959341" y="4046537"/>
+            <a:ext cx="3581400" cy="365125"/>
           </a:xfrm>
           <a:prstGeom prst="rect">
             <a:avLst/>
@@ -2587,11 +3007,12 @@
         <p:txBody>
           <a:bodyPr vert="horz" lIns="91440" tIns="45720" rIns="91440" bIns="45720" rtlCol="0" anchor="ctr"/>
           <a:lstStyle>
-            <a:lvl1pPr algn="ctr">
-              <a:defRPr sz="1200">
+            <a:lvl1pPr algn="l">
+              <a:defRPr sz="1050">
                 <a:solidFill>
-                  <a:schemeClr val="tx1">
-                    <a:tint val="75000"/>
+                  <a:schemeClr val="tx2">
+                    <a:lumMod val="20000"/>
+                    <a:lumOff val="80000"/>
                   </a:schemeClr>
                 </a:solidFill>
               </a:defRPr>
@@ -2614,21 +3035,24 @@
         </p:nvSpPr>
         <p:spPr>
           <a:xfrm>
-            <a:off x="8610600" y="6356350"/>
-            <a:ext cx="2743200" cy="365125"/>
+            <a:off x="11292840" y="6172200"/>
+            <a:ext cx="914400" cy="593725"/>
           </a:xfrm>
           <a:prstGeom prst="rect">
             <a:avLst/>
           </a:prstGeom>
         </p:spPr>
         <p:txBody>
-          <a:bodyPr vert="horz" lIns="91440" tIns="45720" rIns="91440" bIns="45720" rtlCol="0" anchor="ctr"/>
+          <a:bodyPr vert="horz" lIns="45720" tIns="45720" rIns="45720" bIns="45720" rtlCol="0" anchor="ctr">
+            <a:normAutofit/>
+          </a:bodyPr>
           <a:lstStyle>
-            <a:lvl1pPr algn="r">
-              <a:defRPr sz="1200">
+            <a:lvl1pPr algn="ctr">
+              <a:defRPr sz="3600">
                 <a:solidFill>
-                  <a:schemeClr val="tx1">
-                    <a:tint val="75000"/>
+                  <a:schemeClr val="tx2">
+                    <a:lumMod val="60000"/>
+                    <a:lumOff val="40000"/>
                   </a:schemeClr>
                 </a:solidFill>
               </a:defRPr>
@@ -2646,23 +3070,23 @@
     </p:spTree>
     <p:extLst>
       <p:ext uri="{BB962C8B-B14F-4D97-AF65-F5344CB8AC3E}">
-        <p14:creationId xmlns:p14="http://schemas.microsoft.com/office/powerpoint/2010/main" val="3498834079"/>
+        <p14:creationId xmlns:p14="http://schemas.microsoft.com/office/powerpoint/2010/main" val="2714007603"/>
       </p:ext>
     </p:extLst>
   </p:cSld>
   <p:clrMap bg1="lt1" tx1="dk1" bg2="lt2" tx2="dk2" accent1="accent1" accent2="accent2" accent3="accent3" accent4="accent4" accent5="accent5" accent6="accent6" hlink="hlink" folHlink="folHlink"/>
   <p:sldLayoutIdLst>
-    <p:sldLayoutId id="2147483649" r:id="rId1"/>
-    <p:sldLayoutId id="2147483650" r:id="rId2"/>
-    <p:sldLayoutId id="2147483651" r:id="rId3"/>
-    <p:sldLayoutId id="2147483652" r:id="rId4"/>
-    <p:sldLayoutId id="2147483653" r:id="rId5"/>
-    <p:sldLayoutId id="2147483654" r:id="rId6"/>
-    <p:sldLayoutId id="2147483655" r:id="rId7"/>
-    <p:sldLayoutId id="2147483656" r:id="rId8"/>
-    <p:sldLayoutId id="2147483657" r:id="rId9"/>
-    <p:sldLayoutId id="2147483658" r:id="rId10"/>
-    <p:sldLayoutId id="2147483659" r:id="rId11"/>
+    <p:sldLayoutId id="2147483673" r:id="rId1"/>
+    <p:sldLayoutId id="2147483674" r:id="rId2"/>
+    <p:sldLayoutId id="2147483675" r:id="rId3"/>
+    <p:sldLayoutId id="2147483676" r:id="rId4"/>
+    <p:sldLayoutId id="2147483677" r:id="rId5"/>
+    <p:sldLayoutId id="2147483678" r:id="rId6"/>
+    <p:sldLayoutId id="2147483679" r:id="rId7"/>
+    <p:sldLayoutId id="2147483680" r:id="rId8"/>
+    <p:sldLayoutId id="2147483681" r:id="rId9"/>
+    <p:sldLayoutId id="2147483682" r:id="rId10"/>
+    <p:sldLayoutId id="2147483683" r:id="rId11"/>
   </p:sldLayoutIdLst>
   <p:txStyles>
     <p:titleStyle>
@@ -2674,7 +3098,7 @@
           <a:spcPct val="0"/>
         </a:spcBef>
         <a:buNone/>
-        <a:defRPr sz="4400" kern="1200">
+        <a:defRPr sz="4400" kern="1200" spc="-50" baseline="0">
           <a:solidFill>
             <a:schemeClr val="tx1"/>
           </a:solidFill>
@@ -2685,16 +3109,23 @@
       </a:lvl1pPr>
     </p:titleStyle>
     <p:bodyStyle>
-      <a:lvl1pPr marL="228600" indent="-228600" algn="l" defTabSz="914400" rtl="0" eaLnBrk="1" latinLnBrk="0" hangingPunct="1">
+      <a:lvl1pPr marL="182880" indent="-182880" algn="l" defTabSz="914400" rtl="0" eaLnBrk="1" latinLnBrk="0" hangingPunct="1">
         <a:lnSpc>
-          <a:spcPct val="90000"/>
+          <a:spcPct val="95000"/>
         </a:lnSpc>
         <a:spcBef>
-          <a:spcPts val="1000"/>
+          <a:spcPts val="1400"/>
         </a:spcBef>
-        <a:buFont typeface="Arial" panose="020B0604020202020204" pitchFamily="34" charset="0"/>
+        <a:spcAft>
+          <a:spcPts val="200"/>
+        </a:spcAft>
+        <a:buClr>
+          <a:schemeClr val="accent1"/>
+        </a:buClr>
+        <a:buSzPct val="80000"/>
+        <a:buFont typeface="Arial" pitchFamily="34" charset="0"/>
         <a:buChar char="•"/>
-        <a:defRPr sz="2800" kern="1200">
+        <a:defRPr sz="1800" kern="1200" spc="10" baseline="0">
           <a:solidFill>
             <a:schemeClr val="tx1"/>
           </a:solidFill>
@@ -2703,144 +3134,216 @@
           <a:cs typeface="+mn-cs"/>
         </a:defRPr>
       </a:lvl1pPr>
-      <a:lvl2pPr marL="685800" indent="-228600" algn="l" defTabSz="914400" rtl="0" eaLnBrk="1" latinLnBrk="0" hangingPunct="1">
+      <a:lvl2pPr marL="457200" indent="-182880" algn="l" defTabSz="914400" rtl="0" eaLnBrk="1" latinLnBrk="0" hangingPunct="1">
         <a:lnSpc>
           <a:spcPct val="90000"/>
         </a:lnSpc>
         <a:spcBef>
-          <a:spcPts val="500"/>
+          <a:spcPts val="300"/>
         </a:spcBef>
-        <a:buFont typeface="Arial" panose="020B0604020202020204" pitchFamily="34" charset="0"/>
-        <a:buChar char="•"/>
-        <a:defRPr sz="2400" kern="1200">
+        <a:spcAft>
+          <a:spcPts val="300"/>
+        </a:spcAft>
+        <a:buClr>
+          <a:schemeClr val="accent1"/>
+        </a:buClr>
+        <a:buFont typeface="Wingdings 2" pitchFamily="18" charset="2"/>
+        <a:buChar char=""/>
+        <a:defRPr sz="1600" kern="1200">
           <a:solidFill>
-            <a:schemeClr val="tx1"/>
+            <a:schemeClr val="tx1">
+              <a:lumMod val="85000"/>
+              <a:lumOff val="15000"/>
+            </a:schemeClr>
           </a:solidFill>
           <a:latin typeface="+mn-lt"/>
           <a:ea typeface="+mn-ea"/>
           <a:cs typeface="+mn-cs"/>
         </a:defRPr>
       </a:lvl2pPr>
-      <a:lvl3pPr marL="1143000" indent="-228600" algn="l" defTabSz="914400" rtl="0" eaLnBrk="1" latinLnBrk="0" hangingPunct="1">
+      <a:lvl3pPr marL="731520" indent="-182880" algn="l" defTabSz="914400" rtl="0" eaLnBrk="1" latinLnBrk="0" hangingPunct="1">
         <a:lnSpc>
           <a:spcPct val="90000"/>
         </a:lnSpc>
         <a:spcBef>
-          <a:spcPts val="500"/>
+          <a:spcPts val="300"/>
         </a:spcBef>
-        <a:buFont typeface="Arial" panose="020B0604020202020204" pitchFamily="34" charset="0"/>
-        <a:buChar char="•"/>
-        <a:defRPr sz="2000" kern="1200">
+        <a:spcAft>
+          <a:spcPts val="300"/>
+        </a:spcAft>
+        <a:buClr>
+          <a:schemeClr val="accent1"/>
+        </a:buClr>
+        <a:buFont typeface="Wingdings 2" pitchFamily="18" charset="2"/>
+        <a:buChar char=""/>
+        <a:defRPr sz="1400" kern="1200">
           <a:solidFill>
-            <a:schemeClr val="tx1"/>
+            <a:schemeClr val="tx1">
+              <a:lumMod val="85000"/>
+              <a:lumOff val="15000"/>
+            </a:schemeClr>
           </a:solidFill>
           <a:latin typeface="+mn-lt"/>
           <a:ea typeface="+mn-ea"/>
           <a:cs typeface="+mn-cs"/>
         </a:defRPr>
       </a:lvl3pPr>
-      <a:lvl4pPr marL="1600200" indent="-228600" algn="l" defTabSz="914400" rtl="0" eaLnBrk="1" latinLnBrk="0" hangingPunct="1">
+      <a:lvl4pPr marL="1005840" indent="-182880" algn="l" defTabSz="914400" rtl="0" eaLnBrk="1" latinLnBrk="0" hangingPunct="1">
         <a:lnSpc>
           <a:spcPct val="90000"/>
         </a:lnSpc>
         <a:spcBef>
-          <a:spcPts val="500"/>
+          <a:spcPts val="300"/>
         </a:spcBef>
-        <a:buFont typeface="Arial" panose="020B0604020202020204" pitchFamily="34" charset="0"/>
-        <a:buChar char="•"/>
-        <a:defRPr sz="1800" kern="1200">
+        <a:spcAft>
+          <a:spcPts val="300"/>
+        </a:spcAft>
+        <a:buClr>
+          <a:schemeClr val="accent1"/>
+        </a:buClr>
+        <a:buFont typeface="Wingdings 2" pitchFamily="18" charset="2"/>
+        <a:buChar char=""/>
+        <a:defRPr sz="1400" kern="1200">
           <a:solidFill>
-            <a:schemeClr val="tx1"/>
+            <a:schemeClr val="tx1">
+              <a:lumMod val="85000"/>
+              <a:lumOff val="15000"/>
+            </a:schemeClr>
           </a:solidFill>
           <a:latin typeface="+mn-lt"/>
           <a:ea typeface="+mn-ea"/>
           <a:cs typeface="+mn-cs"/>
         </a:defRPr>
       </a:lvl4pPr>
-      <a:lvl5pPr marL="2057400" indent="-228600" algn="l" defTabSz="914400" rtl="0" eaLnBrk="1" latinLnBrk="0" hangingPunct="1">
+      <a:lvl5pPr marL="1280160" indent="-182880" algn="l" defTabSz="914400" rtl="0" eaLnBrk="1" latinLnBrk="0" hangingPunct="1">
         <a:lnSpc>
           <a:spcPct val="90000"/>
         </a:lnSpc>
         <a:spcBef>
-          <a:spcPts val="500"/>
+          <a:spcPts val="300"/>
         </a:spcBef>
-        <a:buFont typeface="Arial" panose="020B0604020202020204" pitchFamily="34" charset="0"/>
-        <a:buChar char="•"/>
-        <a:defRPr sz="1800" kern="1200">
+        <a:spcAft>
+          <a:spcPts val="300"/>
+        </a:spcAft>
+        <a:buClr>
+          <a:schemeClr val="accent1"/>
+        </a:buClr>
+        <a:buFont typeface="Wingdings 2" pitchFamily="18" charset="2"/>
+        <a:buChar char=""/>
+        <a:defRPr sz="1400" kern="1200">
           <a:solidFill>
-            <a:schemeClr val="tx1"/>
+            <a:schemeClr val="tx1">
+              <a:lumMod val="85000"/>
+              <a:lumOff val="15000"/>
+            </a:schemeClr>
           </a:solidFill>
           <a:latin typeface="+mn-lt"/>
           <a:ea typeface="+mn-ea"/>
           <a:cs typeface="+mn-cs"/>
         </a:defRPr>
       </a:lvl5pPr>
-      <a:lvl6pPr marL="2514600" indent="-228600" algn="l" defTabSz="914400" rtl="0" eaLnBrk="1" latinLnBrk="0" hangingPunct="1">
+      <a:lvl6pPr marL="1600000" indent="-228600" algn="l" defTabSz="914400" rtl="0" eaLnBrk="1" latinLnBrk="0" hangingPunct="1">
         <a:lnSpc>
           <a:spcPct val="90000"/>
         </a:lnSpc>
         <a:spcBef>
-          <a:spcPts val="500"/>
+          <a:spcPts val="300"/>
         </a:spcBef>
-        <a:buFont typeface="Arial" panose="020B0604020202020204" pitchFamily="34" charset="0"/>
-        <a:buChar char="•"/>
-        <a:defRPr sz="1800" kern="1200">
+        <a:spcAft>
+          <a:spcPts val="300"/>
+        </a:spcAft>
+        <a:buClr>
+          <a:schemeClr val="accent1"/>
+        </a:buClr>
+        <a:buFont typeface="Wingdings 2" pitchFamily="18" charset="2"/>
+        <a:buChar char=""/>
+        <a:defRPr sz="1400" kern="1200">
           <a:solidFill>
-            <a:schemeClr val="tx1"/>
+            <a:schemeClr val="tx1">
+              <a:lumMod val="85000"/>
+              <a:lumOff val="15000"/>
+            </a:schemeClr>
           </a:solidFill>
           <a:latin typeface="+mn-lt"/>
           <a:ea typeface="+mn-ea"/>
           <a:cs typeface="+mn-cs"/>
         </a:defRPr>
       </a:lvl6pPr>
-      <a:lvl7pPr marL="2971800" indent="-228600" algn="l" defTabSz="914400" rtl="0" eaLnBrk="1" latinLnBrk="0" hangingPunct="1">
+      <a:lvl7pPr marL="1900000" indent="-228600" algn="l" defTabSz="914400" rtl="0" eaLnBrk="1" latinLnBrk="0" hangingPunct="1">
         <a:lnSpc>
           <a:spcPct val="90000"/>
         </a:lnSpc>
         <a:spcBef>
-          <a:spcPts val="500"/>
+          <a:spcPts val="300"/>
         </a:spcBef>
-        <a:buFont typeface="Arial" panose="020B0604020202020204" pitchFamily="34" charset="0"/>
-        <a:buChar char="•"/>
-        <a:defRPr sz="1800" kern="1200">
+        <a:spcAft>
+          <a:spcPts val="300"/>
+        </a:spcAft>
+        <a:buClr>
+          <a:schemeClr val="accent1"/>
+        </a:buClr>
+        <a:buFont typeface="Wingdings 2" pitchFamily="18" charset="2"/>
+        <a:buChar char=""/>
+        <a:defRPr sz="1400" kern="1200">
           <a:solidFill>
-            <a:schemeClr val="tx1"/>
+            <a:schemeClr val="tx1">
+              <a:lumMod val="85000"/>
+              <a:lumOff val="15000"/>
+            </a:schemeClr>
           </a:solidFill>
           <a:latin typeface="+mn-lt"/>
           <a:ea typeface="+mn-ea"/>
           <a:cs typeface="+mn-cs"/>
         </a:defRPr>
       </a:lvl7pPr>
-      <a:lvl8pPr marL="3429000" indent="-228600" algn="l" defTabSz="914400" rtl="0" eaLnBrk="1" latinLnBrk="0" hangingPunct="1">
+      <a:lvl8pPr marL="2200000" indent="-228600" algn="l" defTabSz="914400" rtl="0" eaLnBrk="1" latinLnBrk="0" hangingPunct="1">
         <a:lnSpc>
           <a:spcPct val="90000"/>
         </a:lnSpc>
         <a:spcBef>
-          <a:spcPts val="500"/>
+          <a:spcPts val="300"/>
         </a:spcBef>
-        <a:buFont typeface="Arial" panose="020B0604020202020204" pitchFamily="34" charset="0"/>
-        <a:buChar char="•"/>
-        <a:defRPr sz="1800" kern="1200">
+        <a:spcAft>
+          <a:spcPts val="300"/>
+        </a:spcAft>
+        <a:buClr>
+          <a:schemeClr val="accent1"/>
+        </a:buClr>
+        <a:buFont typeface="Wingdings 2" pitchFamily="18" charset="2"/>
+        <a:buChar char=""/>
+        <a:defRPr sz="1400" kern="1200">
           <a:solidFill>
-            <a:schemeClr val="tx1"/>
+            <a:schemeClr val="tx1">
+              <a:lumMod val="85000"/>
+              <a:lumOff val="15000"/>
+            </a:schemeClr>
           </a:solidFill>
           <a:latin typeface="+mn-lt"/>
           <a:ea typeface="+mn-ea"/>
           <a:cs typeface="+mn-cs"/>
         </a:defRPr>
       </a:lvl8pPr>
-      <a:lvl9pPr marL="3886200" indent="-228600" algn="l" defTabSz="914400" rtl="0" eaLnBrk="1" latinLnBrk="0" hangingPunct="1">
+      <a:lvl9pPr marL="2500000" indent="-228600" algn="l" defTabSz="914400" rtl="0" eaLnBrk="1" latinLnBrk="0" hangingPunct="1">
         <a:lnSpc>
           <a:spcPct val="90000"/>
         </a:lnSpc>
         <a:spcBef>
-          <a:spcPts val="500"/>
+          <a:spcPts val="300"/>
         </a:spcBef>
-        <a:buFont typeface="Arial" panose="020B0604020202020204" pitchFamily="34" charset="0"/>
-        <a:buChar char="•"/>
-        <a:defRPr sz="1800" kern="1200">
+        <a:spcAft>
+          <a:spcPts val="300"/>
+        </a:spcAft>
+        <a:buClr>
+          <a:schemeClr val="accent1"/>
+        </a:buClr>
+        <a:buFont typeface="Wingdings 2" pitchFamily="18" charset="2"/>
+        <a:buChar char=""/>
+        <a:defRPr sz="1400" kern="1200">
           <a:solidFill>
-            <a:schemeClr val="tx1"/>
+            <a:schemeClr val="tx1">
+              <a:lumMod val="85000"/>
+              <a:lumOff val="15000"/>
+            </a:schemeClr>
           </a:solidFill>
           <a:latin typeface="+mn-lt"/>
           <a:ea typeface="+mn-ea"/>
@@ -2976,10 +3479,34 @@
         </p:nvSpPr>
         <p:spPr/>
         <p:txBody>
-          <a:bodyPr/>
-          <a:lstStyle/>
-          <a:p>
-            <a:endParaRPr lang="en-US"/>
+          <a:bodyPr>
+            <a:normAutofit/>
+          </a:bodyPr>
+          <a:lstStyle/>
+          <a:p>
+            <a:r>
+              <a:rPr lang="en-US" dirty="0" smtClean="0"/>
+              <a:t>Galaxy Dash</a:t>
+            </a:r>
+            <a:r>
+              <a:rPr lang="en-US" dirty="0" smtClean="0"/>
+              <a:t/>
+            </a:r>
+            <a:br>
+              <a:rPr lang="en-US" dirty="0" smtClean="0"/>
+            </a:br>
+            <a:r>
+              <a:rPr lang="en-US" dirty="0" smtClean="0"/>
+              <a:t>by</a:t>
+            </a:r>
+            <a:br>
+              <a:rPr lang="en-US" dirty="0" smtClean="0"/>
+            </a:br>
+            <a:r>
+              <a:rPr lang="en-US" dirty="0" smtClean="0"/>
+              <a:t>Honeydew</a:t>
+            </a:r>
+            <a:endParaRPr lang="en-US" dirty="0"/>
           </a:p>
         </p:txBody>
       </p:sp>
@@ -2998,7 +3525,17 @@
           <a:bodyPr/>
           <a:lstStyle/>
           <a:p>
-            <a:endParaRPr lang="en-US"/>
+            <a:r>
+              <a:rPr lang="en-US" dirty="0" smtClean="0"/>
+              <a:t>Milestone 1 – Project Pitch</a:t>
+            </a:r>
+          </a:p>
+          <a:p>
+            <a:r>
+              <a:rPr lang="en-US" dirty="0" smtClean="0"/>
+              <a:t>Brought to you by _____</a:t>
+            </a:r>
+            <a:endParaRPr lang="en-US" dirty="0"/>
           </a:p>
         </p:txBody>
       </p:sp>
@@ -3012,97 +3549,1220 @@
   <p:clrMapOvr>
     <a:masterClrMapping/>
   </p:clrMapOvr>
+  <p:timing>
+    <p:tnLst>
+      <p:par>
+        <p:cTn id="1" dur="indefinite" restart="never" nodeType="tmRoot"/>
+      </p:par>
+    </p:tnLst>
+  </p:timing>
+</p:sld>
+</file>
+
+<file path=ppt/slides/slide10.xml><?xml version="1.0" encoding="utf-8"?>
+<p:sld xmlns:a="http://schemas.openxmlformats.org/drawingml/2006/main" xmlns:r="http://schemas.openxmlformats.org/officeDocument/2006/relationships" xmlns:p="http://schemas.openxmlformats.org/presentationml/2006/main">
+  <p:cSld>
+    <p:spTree>
+      <p:nvGrpSpPr>
+        <p:cNvPr id="1" name=""/>
+        <p:cNvGrpSpPr/>
+        <p:nvPr/>
+      </p:nvGrpSpPr>
+      <p:grpSpPr>
+        <a:xfrm>
+          <a:off x="0" y="0"/>
+          <a:ext cx="0" cy="0"/>
+          <a:chOff x="0" y="0"/>
+          <a:chExt cx="0" cy="0"/>
+        </a:xfrm>
+      </p:grpSpPr>
+      <p:sp>
+        <p:nvSpPr>
+          <p:cNvPr id="2" name="Title 1"/>
+          <p:cNvSpPr>
+            <a:spLocks noGrp="1"/>
+          </p:cNvSpPr>
+          <p:nvPr>
+            <p:ph type="title"/>
+          </p:nvPr>
+        </p:nvSpPr>
+        <p:spPr/>
+        <p:txBody>
+          <a:bodyPr/>
+          <a:lstStyle/>
+          <a:p>
+            <a:r>
+              <a:rPr lang="en-US" dirty="0" smtClean="0"/>
+              <a:t>Sound Schedule</a:t>
+            </a:r>
+            <a:endParaRPr lang="en-US" dirty="0"/>
+          </a:p>
+        </p:txBody>
+      </p:sp>
+      <p:sp>
+        <p:nvSpPr>
+          <p:cNvPr id="3" name="Content Placeholder 2"/>
+          <p:cNvSpPr>
+            <a:spLocks noGrp="1"/>
+          </p:cNvSpPr>
+          <p:nvPr>
+            <p:ph idx="1"/>
+          </p:nvPr>
+        </p:nvSpPr>
+        <p:spPr/>
+        <p:txBody>
+          <a:bodyPr/>
+          <a:lstStyle/>
+          <a:p>
+            <a:endParaRPr lang="en-US"/>
+          </a:p>
+        </p:txBody>
+      </p:sp>
+    </p:spTree>
+    <p:extLst>
+      <p:ext uri="{BB962C8B-B14F-4D97-AF65-F5344CB8AC3E}">
+        <p14:creationId xmlns:p14="http://schemas.microsoft.com/office/powerpoint/2010/main" val="1389160503"/>
+      </p:ext>
+    </p:extLst>
+  </p:cSld>
+  <p:clrMapOvr>
+    <a:masterClrMapping/>
+  </p:clrMapOvr>
+  <p:timing>
+    <p:tnLst>
+      <p:par>
+        <p:cTn id="1" dur="indefinite" restart="never" nodeType="tmRoot"/>
+      </p:par>
+    </p:tnLst>
+  </p:timing>
+</p:sld>
+</file>
+
+<file path=ppt/slides/slide11.xml><?xml version="1.0" encoding="utf-8"?>
+<p:sld xmlns:a="http://schemas.openxmlformats.org/drawingml/2006/main" xmlns:r="http://schemas.openxmlformats.org/officeDocument/2006/relationships" xmlns:p="http://schemas.openxmlformats.org/presentationml/2006/main">
+  <p:cSld>
+    <p:spTree>
+      <p:nvGrpSpPr>
+        <p:cNvPr id="1" name=""/>
+        <p:cNvGrpSpPr/>
+        <p:nvPr/>
+      </p:nvGrpSpPr>
+      <p:grpSpPr>
+        <a:xfrm>
+          <a:off x="0" y="0"/>
+          <a:ext cx="0" cy="0"/>
+          <a:chOff x="0" y="0"/>
+          <a:chExt cx="0" cy="0"/>
+        </a:xfrm>
+      </p:grpSpPr>
+      <p:sp>
+        <p:nvSpPr>
+          <p:cNvPr id="2" name="Title 1"/>
+          <p:cNvSpPr>
+            <a:spLocks noGrp="1"/>
+          </p:cNvSpPr>
+          <p:nvPr>
+            <p:ph type="title"/>
+          </p:nvPr>
+        </p:nvSpPr>
+        <p:spPr/>
+        <p:txBody>
+          <a:bodyPr/>
+          <a:lstStyle/>
+          <a:p>
+            <a:r>
+              <a:rPr lang="en-US" dirty="0" smtClean="0"/>
+              <a:t>Art Schedule</a:t>
+            </a:r>
+            <a:endParaRPr lang="en-US" dirty="0"/>
+          </a:p>
+        </p:txBody>
+      </p:sp>
+      <p:sp>
+        <p:nvSpPr>
+          <p:cNvPr id="3" name="Content Placeholder 2"/>
+          <p:cNvSpPr>
+            <a:spLocks noGrp="1"/>
+          </p:cNvSpPr>
+          <p:nvPr>
+            <p:ph idx="1"/>
+          </p:nvPr>
+        </p:nvSpPr>
+        <p:spPr/>
+        <p:txBody>
+          <a:bodyPr/>
+          <a:lstStyle/>
+          <a:p>
+            <a:endParaRPr lang="en-US"/>
+          </a:p>
+        </p:txBody>
+      </p:sp>
+    </p:spTree>
+    <p:extLst>
+      <p:ext uri="{BB962C8B-B14F-4D97-AF65-F5344CB8AC3E}">
+        <p14:creationId xmlns:p14="http://schemas.microsoft.com/office/powerpoint/2010/main" val="2865796011"/>
+      </p:ext>
+    </p:extLst>
+  </p:cSld>
+  <p:clrMapOvr>
+    <a:masterClrMapping/>
+  </p:clrMapOvr>
+  <p:timing>
+    <p:tnLst>
+      <p:par>
+        <p:cTn id="1" dur="indefinite" restart="never" nodeType="tmRoot"/>
+      </p:par>
+    </p:tnLst>
+  </p:timing>
+</p:sld>
+</file>
+
+<file path=ppt/slides/slide12.xml><?xml version="1.0" encoding="utf-8"?>
+<p:sld xmlns:a="http://schemas.openxmlformats.org/drawingml/2006/main" xmlns:r="http://schemas.openxmlformats.org/officeDocument/2006/relationships" xmlns:p="http://schemas.openxmlformats.org/presentationml/2006/main">
+  <p:cSld>
+    <p:spTree>
+      <p:nvGrpSpPr>
+        <p:cNvPr id="1" name=""/>
+        <p:cNvGrpSpPr/>
+        <p:nvPr/>
+      </p:nvGrpSpPr>
+      <p:grpSpPr>
+        <a:xfrm>
+          <a:off x="0" y="0"/>
+          <a:ext cx="0" cy="0"/>
+          <a:chOff x="0" y="0"/>
+          <a:chExt cx="0" cy="0"/>
+        </a:xfrm>
+      </p:grpSpPr>
+      <p:sp>
+        <p:nvSpPr>
+          <p:cNvPr id="2" name="Title 1"/>
+          <p:cNvSpPr>
+            <a:spLocks noGrp="1"/>
+          </p:cNvSpPr>
+          <p:nvPr>
+            <p:ph type="title"/>
+          </p:nvPr>
+        </p:nvSpPr>
+        <p:spPr/>
+        <p:txBody>
+          <a:bodyPr/>
+          <a:lstStyle/>
+          <a:p>
+            <a:r>
+              <a:rPr lang="en-US" dirty="0" smtClean="0"/>
+              <a:t>Tech Schedule</a:t>
+            </a:r>
+            <a:endParaRPr lang="en-US" dirty="0"/>
+          </a:p>
+        </p:txBody>
+      </p:sp>
+      <p:sp>
+        <p:nvSpPr>
+          <p:cNvPr id="3" name="Content Placeholder 2"/>
+          <p:cNvSpPr>
+            <a:spLocks noGrp="1"/>
+          </p:cNvSpPr>
+          <p:nvPr>
+            <p:ph idx="1"/>
+          </p:nvPr>
+        </p:nvSpPr>
+        <p:spPr/>
+        <p:txBody>
+          <a:bodyPr/>
+          <a:lstStyle/>
+          <a:p>
+            <a:endParaRPr lang="en-US"/>
+          </a:p>
+        </p:txBody>
+      </p:sp>
+    </p:spTree>
+    <p:extLst>
+      <p:ext uri="{BB962C8B-B14F-4D97-AF65-F5344CB8AC3E}">
+        <p14:creationId xmlns:p14="http://schemas.microsoft.com/office/powerpoint/2010/main" val="2043034057"/>
+      </p:ext>
+    </p:extLst>
+  </p:cSld>
+  <p:clrMapOvr>
+    <a:masterClrMapping/>
+  </p:clrMapOvr>
+  <p:timing>
+    <p:tnLst>
+      <p:par>
+        <p:cTn id="1" dur="indefinite" restart="never" nodeType="tmRoot"/>
+      </p:par>
+    </p:tnLst>
+  </p:timing>
+</p:sld>
+</file>
+
+<file path=ppt/slides/slide13.xml><?xml version="1.0" encoding="utf-8"?>
+<p:sld xmlns:a="http://schemas.openxmlformats.org/drawingml/2006/main" xmlns:r="http://schemas.openxmlformats.org/officeDocument/2006/relationships" xmlns:p="http://schemas.openxmlformats.org/presentationml/2006/main">
+  <p:cSld>
+    <p:spTree>
+      <p:nvGrpSpPr>
+        <p:cNvPr id="1" name=""/>
+        <p:cNvGrpSpPr/>
+        <p:nvPr/>
+      </p:nvGrpSpPr>
+      <p:grpSpPr>
+        <a:xfrm>
+          <a:off x="0" y="0"/>
+          <a:ext cx="0" cy="0"/>
+          <a:chOff x="0" y="0"/>
+          <a:chExt cx="0" cy="0"/>
+        </a:xfrm>
+      </p:grpSpPr>
+      <p:sp>
+        <p:nvSpPr>
+          <p:cNvPr id="2" name="Title 1"/>
+          <p:cNvSpPr>
+            <a:spLocks noGrp="1"/>
+          </p:cNvSpPr>
+          <p:nvPr>
+            <p:ph type="title"/>
+          </p:nvPr>
+        </p:nvSpPr>
+        <p:spPr/>
+        <p:txBody>
+          <a:bodyPr/>
+          <a:lstStyle/>
+          <a:p>
+            <a:r>
+              <a:rPr lang="en-US" dirty="0" smtClean="0"/>
+              <a:t>Plus Content</a:t>
+            </a:r>
+            <a:endParaRPr lang="en-US" dirty="0"/>
+          </a:p>
+        </p:txBody>
+      </p:sp>
+      <p:sp>
+        <p:nvSpPr>
+          <p:cNvPr id="3" name="Content Placeholder 2"/>
+          <p:cNvSpPr>
+            <a:spLocks noGrp="1"/>
+          </p:cNvSpPr>
+          <p:nvPr>
+            <p:ph idx="1"/>
+          </p:nvPr>
+        </p:nvSpPr>
+        <p:spPr/>
+        <p:txBody>
+          <a:bodyPr/>
+          <a:lstStyle/>
+          <a:p>
+            <a:r>
+              <a:rPr lang="en-US" dirty="0" smtClean="0"/>
+              <a:t>Plus Tech</a:t>
+            </a:r>
+          </a:p>
+          <a:p>
+            <a:pPr lvl="1"/>
+            <a:r>
+              <a:rPr lang="en-US" dirty="0" smtClean="0"/>
+              <a:t>blah</a:t>
+            </a:r>
+          </a:p>
+          <a:p>
+            <a:r>
+              <a:rPr lang="en-US" dirty="0" smtClean="0"/>
+              <a:t>Plus Art</a:t>
+            </a:r>
+          </a:p>
+          <a:p>
+            <a:pPr lvl="1"/>
+            <a:r>
+              <a:rPr lang="en-US" dirty="0" smtClean="0"/>
+              <a:t>blah</a:t>
+            </a:r>
+            <a:endParaRPr lang="en-US" dirty="0"/>
+          </a:p>
+        </p:txBody>
+      </p:sp>
+    </p:spTree>
+    <p:extLst>
+      <p:ext uri="{BB962C8B-B14F-4D97-AF65-F5344CB8AC3E}">
+        <p14:creationId xmlns:p14="http://schemas.microsoft.com/office/powerpoint/2010/main" val="2169006600"/>
+      </p:ext>
+    </p:extLst>
+  </p:cSld>
+  <p:clrMapOvr>
+    <a:masterClrMapping/>
+  </p:clrMapOvr>
+  <p:timing>
+    <p:tnLst>
+      <p:par>
+        <p:cTn id="1" dur="indefinite" restart="never" nodeType="tmRoot"/>
+      </p:par>
+    </p:tnLst>
+  </p:timing>
+</p:sld>
+</file>
+
+<file path=ppt/slides/slide14.xml><?xml version="1.0" encoding="utf-8"?>
+<p:sld xmlns:a="http://schemas.openxmlformats.org/drawingml/2006/main" xmlns:r="http://schemas.openxmlformats.org/officeDocument/2006/relationships" xmlns:p="http://schemas.openxmlformats.org/presentationml/2006/main">
+  <p:cSld>
+    <p:spTree>
+      <p:nvGrpSpPr>
+        <p:cNvPr id="1" name=""/>
+        <p:cNvGrpSpPr/>
+        <p:nvPr/>
+      </p:nvGrpSpPr>
+      <p:grpSpPr>
+        <a:xfrm>
+          <a:off x="0" y="0"/>
+          <a:ext cx="0" cy="0"/>
+          <a:chOff x="0" y="0"/>
+          <a:chExt cx="0" cy="0"/>
+        </a:xfrm>
+      </p:grpSpPr>
+      <p:sp>
+        <p:nvSpPr>
+          <p:cNvPr id="2" name="Title 1"/>
+          <p:cNvSpPr>
+            <a:spLocks noGrp="1"/>
+          </p:cNvSpPr>
+          <p:nvPr>
+            <p:ph type="title"/>
+          </p:nvPr>
+        </p:nvSpPr>
+        <p:spPr/>
+        <p:txBody>
+          <a:bodyPr/>
+          <a:lstStyle/>
+          <a:p>
+            <a:r>
+              <a:rPr lang="en-US" dirty="0" smtClean="0"/>
+              <a:t>Budget and Materials</a:t>
+            </a:r>
+            <a:endParaRPr lang="en-US" dirty="0"/>
+          </a:p>
+        </p:txBody>
+      </p:sp>
+      <p:sp>
+        <p:nvSpPr>
+          <p:cNvPr id="3" name="Content Placeholder 2"/>
+          <p:cNvSpPr>
+            <a:spLocks noGrp="1"/>
+          </p:cNvSpPr>
+          <p:nvPr>
+            <p:ph idx="1"/>
+          </p:nvPr>
+        </p:nvSpPr>
+        <p:spPr/>
+        <p:txBody>
+          <a:bodyPr/>
+          <a:lstStyle/>
+          <a:p>
+            <a:endParaRPr lang="en-US" dirty="0"/>
+          </a:p>
+        </p:txBody>
+      </p:sp>
+    </p:spTree>
+    <p:extLst>
+      <p:ext uri="{BB962C8B-B14F-4D97-AF65-F5344CB8AC3E}">
+        <p14:creationId xmlns:p14="http://schemas.microsoft.com/office/powerpoint/2010/main" val="2876699071"/>
+      </p:ext>
+    </p:extLst>
+  </p:cSld>
+  <p:clrMapOvr>
+    <a:masterClrMapping/>
+  </p:clrMapOvr>
+  <p:timing>
+    <p:tnLst>
+      <p:par>
+        <p:cTn id="1" dur="indefinite" restart="never" nodeType="tmRoot"/>
+      </p:par>
+    </p:tnLst>
+  </p:timing>
+</p:sld>
+</file>
+
+<file path=ppt/slides/slide15.xml><?xml version="1.0" encoding="utf-8"?>
+<p:sld xmlns:a="http://schemas.openxmlformats.org/drawingml/2006/main" xmlns:r="http://schemas.openxmlformats.org/officeDocument/2006/relationships" xmlns:p="http://schemas.openxmlformats.org/presentationml/2006/main">
+  <p:cSld>
+    <p:spTree>
+      <p:nvGrpSpPr>
+        <p:cNvPr id="1" name=""/>
+        <p:cNvGrpSpPr/>
+        <p:nvPr/>
+      </p:nvGrpSpPr>
+      <p:grpSpPr>
+        <a:xfrm>
+          <a:off x="0" y="0"/>
+          <a:ext cx="0" cy="0"/>
+          <a:chOff x="0" y="0"/>
+          <a:chExt cx="0" cy="0"/>
+        </a:xfrm>
+      </p:grpSpPr>
+      <p:sp>
+        <p:nvSpPr>
+          <p:cNvPr id="2" name="Title 1"/>
+          <p:cNvSpPr>
+            <a:spLocks noGrp="1"/>
+          </p:cNvSpPr>
+          <p:nvPr>
+            <p:ph type="title"/>
+          </p:nvPr>
+        </p:nvSpPr>
+        <p:spPr/>
+        <p:txBody>
+          <a:bodyPr/>
+          <a:lstStyle/>
+          <a:p>
+            <a:r>
+              <a:rPr lang="en-US" dirty="0" smtClean="0"/>
+              <a:t>Thank You!</a:t>
+            </a:r>
+            <a:endParaRPr lang="en-US" dirty="0"/>
+          </a:p>
+        </p:txBody>
+      </p:sp>
+      <p:sp>
+        <p:nvSpPr>
+          <p:cNvPr id="3" name="Content Placeholder 2"/>
+          <p:cNvSpPr>
+            <a:spLocks noGrp="1"/>
+          </p:cNvSpPr>
+          <p:nvPr>
+            <p:ph idx="1"/>
+          </p:nvPr>
+        </p:nvSpPr>
+        <p:spPr/>
+        <p:txBody>
+          <a:bodyPr/>
+          <a:lstStyle/>
+          <a:p>
+            <a:r>
+              <a:rPr lang="en-US" dirty="0" smtClean="0"/>
+              <a:t>Galaxy Dash by Honeydew</a:t>
+            </a:r>
+            <a:endParaRPr lang="en-US" dirty="0"/>
+          </a:p>
+        </p:txBody>
+      </p:sp>
+    </p:spTree>
+    <p:extLst>
+      <p:ext uri="{BB962C8B-B14F-4D97-AF65-F5344CB8AC3E}">
+        <p14:creationId xmlns:p14="http://schemas.microsoft.com/office/powerpoint/2010/main" val="3980894778"/>
+      </p:ext>
+    </p:extLst>
+  </p:cSld>
+  <p:clrMapOvr>
+    <a:masterClrMapping/>
+  </p:clrMapOvr>
+  <p:timing>
+    <p:tnLst>
+      <p:par>
+        <p:cTn id="1" dur="indefinite" restart="never" nodeType="tmRoot"/>
+      </p:par>
+    </p:tnLst>
+  </p:timing>
+</p:sld>
+</file>
+
+<file path=ppt/slides/slide2.xml><?xml version="1.0" encoding="utf-8"?>
+<p:sld xmlns:a="http://schemas.openxmlformats.org/drawingml/2006/main" xmlns:r="http://schemas.openxmlformats.org/officeDocument/2006/relationships" xmlns:p="http://schemas.openxmlformats.org/presentationml/2006/main">
+  <p:cSld>
+    <p:spTree>
+      <p:nvGrpSpPr>
+        <p:cNvPr id="1" name=""/>
+        <p:cNvGrpSpPr/>
+        <p:nvPr/>
+      </p:nvGrpSpPr>
+      <p:grpSpPr>
+        <a:xfrm>
+          <a:off x="0" y="0"/>
+          <a:ext cx="0" cy="0"/>
+          <a:chOff x="0" y="0"/>
+          <a:chExt cx="0" cy="0"/>
+        </a:xfrm>
+      </p:grpSpPr>
+      <p:sp>
+        <p:nvSpPr>
+          <p:cNvPr id="2" name="Title 1"/>
+          <p:cNvSpPr>
+            <a:spLocks noGrp="1"/>
+          </p:cNvSpPr>
+          <p:nvPr>
+            <p:ph type="title"/>
+          </p:nvPr>
+        </p:nvSpPr>
+        <p:spPr/>
+        <p:txBody>
+          <a:bodyPr/>
+          <a:lstStyle/>
+          <a:p>
+            <a:r>
+              <a:rPr lang="en-US" dirty="0" smtClean="0"/>
+              <a:t>Team Structure – Names and Roles</a:t>
+            </a:r>
+            <a:endParaRPr lang="en-US" dirty="0"/>
+          </a:p>
+        </p:txBody>
+      </p:sp>
+      <p:sp>
+        <p:nvSpPr>
+          <p:cNvPr id="3" name="Content Placeholder 2"/>
+          <p:cNvSpPr>
+            <a:spLocks noGrp="1"/>
+          </p:cNvSpPr>
+          <p:nvPr>
+            <p:ph idx="1"/>
+          </p:nvPr>
+        </p:nvSpPr>
+        <p:spPr/>
+        <p:txBody>
+          <a:bodyPr/>
+          <a:lstStyle/>
+          <a:p>
+            <a:r>
+              <a:rPr lang="en-US" dirty="0" smtClean="0"/>
+              <a:t>Director – Noah</a:t>
+            </a:r>
+          </a:p>
+          <a:p>
+            <a:r>
+              <a:rPr lang="en-US" dirty="0" smtClean="0"/>
+              <a:t>Producer – Diana</a:t>
+            </a:r>
+          </a:p>
+          <a:p>
+            <a:r>
+              <a:rPr lang="en-US" dirty="0" smtClean="0"/>
+              <a:t>Art Lead – Octavio</a:t>
+            </a:r>
+          </a:p>
+          <a:p>
+            <a:r>
+              <a:rPr lang="en-US" dirty="0" smtClean="0"/>
+              <a:t>Game Design Lead – Nick</a:t>
+            </a:r>
+          </a:p>
+          <a:p>
+            <a:r>
+              <a:rPr lang="en-US" dirty="0" smtClean="0"/>
+              <a:t>Sound Lead – Tom</a:t>
+            </a:r>
+          </a:p>
+          <a:p>
+            <a:r>
+              <a:rPr lang="en-US" dirty="0" smtClean="0"/>
+              <a:t>Tech Lead – Josh</a:t>
+            </a:r>
+          </a:p>
+          <a:p>
+            <a:endParaRPr lang="en-US" dirty="0"/>
+          </a:p>
+        </p:txBody>
+      </p:sp>
+    </p:spTree>
+    <p:extLst>
+      <p:ext uri="{BB962C8B-B14F-4D97-AF65-F5344CB8AC3E}">
+        <p14:creationId xmlns:p14="http://schemas.microsoft.com/office/powerpoint/2010/main" val="1385161511"/>
+      </p:ext>
+    </p:extLst>
+  </p:cSld>
+  <p:clrMapOvr>
+    <a:masterClrMapping/>
+  </p:clrMapOvr>
+  <p:timing>
+    <p:tnLst>
+      <p:par>
+        <p:cTn id="1" dur="indefinite" restart="never" nodeType="tmRoot"/>
+      </p:par>
+    </p:tnLst>
+  </p:timing>
+</p:sld>
+</file>
+
+<file path=ppt/slides/slide3.xml><?xml version="1.0" encoding="utf-8"?>
+<p:sld xmlns:a="http://schemas.openxmlformats.org/drawingml/2006/main" xmlns:r="http://schemas.openxmlformats.org/officeDocument/2006/relationships" xmlns:p="http://schemas.openxmlformats.org/presentationml/2006/main">
+  <p:cSld>
+    <p:spTree>
+      <p:nvGrpSpPr>
+        <p:cNvPr id="1" name=""/>
+        <p:cNvGrpSpPr/>
+        <p:nvPr/>
+      </p:nvGrpSpPr>
+      <p:grpSpPr>
+        <a:xfrm>
+          <a:off x="0" y="0"/>
+          <a:ext cx="0" cy="0"/>
+          <a:chOff x="0" y="0"/>
+          <a:chExt cx="0" cy="0"/>
+        </a:xfrm>
+      </p:grpSpPr>
+      <p:sp>
+        <p:nvSpPr>
+          <p:cNvPr id="2" name="Title 1"/>
+          <p:cNvSpPr>
+            <a:spLocks noGrp="1"/>
+          </p:cNvSpPr>
+          <p:nvPr>
+            <p:ph type="title"/>
+          </p:nvPr>
+        </p:nvSpPr>
+        <p:spPr/>
+        <p:txBody>
+          <a:bodyPr/>
+          <a:lstStyle/>
+          <a:p>
+            <a:r>
+              <a:rPr lang="en-US" dirty="0" smtClean="0"/>
+              <a:t>High Concept</a:t>
+            </a:r>
+            <a:endParaRPr lang="en-US" dirty="0"/>
+          </a:p>
+        </p:txBody>
+      </p:sp>
+      <p:sp>
+        <p:nvSpPr>
+          <p:cNvPr id="3" name="Content Placeholder 2"/>
+          <p:cNvSpPr>
+            <a:spLocks noGrp="1"/>
+          </p:cNvSpPr>
+          <p:nvPr>
+            <p:ph idx="1"/>
+          </p:nvPr>
+        </p:nvSpPr>
+        <p:spPr/>
+        <p:txBody>
+          <a:bodyPr/>
+          <a:lstStyle/>
+          <a:p>
+            <a:endParaRPr lang="en-US"/>
+          </a:p>
+        </p:txBody>
+      </p:sp>
+    </p:spTree>
+    <p:extLst>
+      <p:ext uri="{BB962C8B-B14F-4D97-AF65-F5344CB8AC3E}">
+        <p14:creationId xmlns:p14="http://schemas.microsoft.com/office/powerpoint/2010/main" val="1449382779"/>
+      </p:ext>
+    </p:extLst>
+  </p:cSld>
+  <p:clrMapOvr>
+    <a:masterClrMapping/>
+  </p:clrMapOvr>
+  <p:timing>
+    <p:tnLst>
+      <p:par>
+        <p:cTn id="1" dur="indefinite" restart="never" nodeType="tmRoot"/>
+      </p:par>
+    </p:tnLst>
+  </p:timing>
+</p:sld>
+</file>
+
+<file path=ppt/slides/slide4.xml><?xml version="1.0" encoding="utf-8"?>
+<p:sld xmlns:a="http://schemas.openxmlformats.org/drawingml/2006/main" xmlns:r="http://schemas.openxmlformats.org/officeDocument/2006/relationships" xmlns:p="http://schemas.openxmlformats.org/presentationml/2006/main">
+  <p:cSld>
+    <p:spTree>
+      <p:nvGrpSpPr>
+        <p:cNvPr id="1" name=""/>
+        <p:cNvGrpSpPr/>
+        <p:nvPr/>
+      </p:nvGrpSpPr>
+      <p:grpSpPr>
+        <a:xfrm>
+          <a:off x="0" y="0"/>
+          <a:ext cx="0" cy="0"/>
+          <a:chOff x="0" y="0"/>
+          <a:chExt cx="0" cy="0"/>
+        </a:xfrm>
+      </p:grpSpPr>
+      <p:sp>
+        <p:nvSpPr>
+          <p:cNvPr id="2" name="Title 1"/>
+          <p:cNvSpPr>
+            <a:spLocks noGrp="1"/>
+          </p:cNvSpPr>
+          <p:nvPr>
+            <p:ph type="title"/>
+          </p:nvPr>
+        </p:nvSpPr>
+        <p:spPr/>
+        <p:txBody>
+          <a:bodyPr/>
+          <a:lstStyle/>
+          <a:p>
+            <a:r>
+              <a:rPr lang="en-US" dirty="0" smtClean="0"/>
+              <a:t>Reference</a:t>
+            </a:r>
+            <a:endParaRPr lang="en-US" dirty="0"/>
+          </a:p>
+        </p:txBody>
+      </p:sp>
+    </p:spTree>
+    <p:extLst>
+      <p:ext uri="{BB962C8B-B14F-4D97-AF65-F5344CB8AC3E}">
+        <p14:creationId xmlns:p14="http://schemas.microsoft.com/office/powerpoint/2010/main" val="3529162981"/>
+      </p:ext>
+    </p:extLst>
+  </p:cSld>
+  <p:clrMapOvr>
+    <a:masterClrMapping/>
+  </p:clrMapOvr>
+  <p:timing>
+    <p:tnLst>
+      <p:par>
+        <p:cTn id="1" dur="indefinite" restart="never" nodeType="tmRoot"/>
+      </p:par>
+    </p:tnLst>
+  </p:timing>
+</p:sld>
+</file>
+
+<file path=ppt/slides/slide5.xml><?xml version="1.0" encoding="utf-8"?>
+<p:sld xmlns:a="http://schemas.openxmlformats.org/drawingml/2006/main" xmlns:r="http://schemas.openxmlformats.org/officeDocument/2006/relationships" xmlns:p="http://schemas.openxmlformats.org/presentationml/2006/main">
+  <p:cSld>
+    <p:spTree>
+      <p:nvGrpSpPr>
+        <p:cNvPr id="1" name=""/>
+        <p:cNvGrpSpPr/>
+        <p:nvPr/>
+      </p:nvGrpSpPr>
+      <p:grpSpPr>
+        <a:xfrm>
+          <a:off x="0" y="0"/>
+          <a:ext cx="0" cy="0"/>
+          <a:chOff x="0" y="0"/>
+          <a:chExt cx="0" cy="0"/>
+        </a:xfrm>
+      </p:grpSpPr>
+      <p:sp>
+        <p:nvSpPr>
+          <p:cNvPr id="2" name="Title 1"/>
+          <p:cNvSpPr>
+            <a:spLocks noGrp="1"/>
+          </p:cNvSpPr>
+          <p:nvPr>
+            <p:ph type="title"/>
+          </p:nvPr>
+        </p:nvSpPr>
+        <p:spPr/>
+        <p:txBody>
+          <a:bodyPr/>
+          <a:lstStyle/>
+          <a:p>
+            <a:r>
+              <a:rPr lang="en-US" dirty="0" smtClean="0"/>
+              <a:t>Design And Features</a:t>
+            </a:r>
+            <a:endParaRPr lang="en-US" dirty="0"/>
+          </a:p>
+        </p:txBody>
+      </p:sp>
+      <p:sp>
+        <p:nvSpPr>
+          <p:cNvPr id="3" name="Content Placeholder 2"/>
+          <p:cNvSpPr>
+            <a:spLocks noGrp="1"/>
+          </p:cNvSpPr>
+          <p:nvPr>
+            <p:ph idx="1"/>
+          </p:nvPr>
+        </p:nvSpPr>
+        <p:spPr/>
+        <p:txBody>
+          <a:bodyPr/>
+          <a:lstStyle/>
+          <a:p>
+            <a:endParaRPr lang="en-US"/>
+          </a:p>
+        </p:txBody>
+      </p:sp>
+    </p:spTree>
+    <p:extLst>
+      <p:ext uri="{BB962C8B-B14F-4D97-AF65-F5344CB8AC3E}">
+        <p14:creationId xmlns:p14="http://schemas.microsoft.com/office/powerpoint/2010/main" val="250208978"/>
+      </p:ext>
+    </p:extLst>
+  </p:cSld>
+  <p:clrMapOvr>
+    <a:masterClrMapping/>
+  </p:clrMapOvr>
+  <p:timing>
+    <p:tnLst>
+      <p:par>
+        <p:cTn id="1" dur="indefinite" restart="never" nodeType="tmRoot"/>
+      </p:par>
+    </p:tnLst>
+  </p:timing>
+</p:sld>
+</file>
+
+<file path=ppt/slides/slide6.xml><?xml version="1.0" encoding="utf-8"?>
+<p:sld xmlns:a="http://schemas.openxmlformats.org/drawingml/2006/main" xmlns:r="http://schemas.openxmlformats.org/officeDocument/2006/relationships" xmlns:p="http://schemas.openxmlformats.org/presentationml/2006/main">
+  <p:cSld>
+    <p:spTree>
+      <p:nvGrpSpPr>
+        <p:cNvPr id="1" name=""/>
+        <p:cNvGrpSpPr/>
+        <p:nvPr/>
+      </p:nvGrpSpPr>
+      <p:grpSpPr>
+        <a:xfrm>
+          <a:off x="0" y="0"/>
+          <a:ext cx="0" cy="0"/>
+          <a:chOff x="0" y="0"/>
+          <a:chExt cx="0" cy="0"/>
+        </a:xfrm>
+      </p:grpSpPr>
+      <p:sp>
+        <p:nvSpPr>
+          <p:cNvPr id="2" name="Title 1"/>
+          <p:cNvSpPr>
+            <a:spLocks noGrp="1"/>
+          </p:cNvSpPr>
+          <p:nvPr>
+            <p:ph type="title"/>
+          </p:nvPr>
+        </p:nvSpPr>
+        <p:spPr/>
+        <p:txBody>
+          <a:bodyPr/>
+          <a:lstStyle/>
+          <a:p>
+            <a:r>
+              <a:rPr lang="en-US" dirty="0" smtClean="0"/>
+              <a:t>Engine And Features</a:t>
+            </a:r>
+            <a:endParaRPr lang="en-US" dirty="0"/>
+          </a:p>
+        </p:txBody>
+      </p:sp>
+      <p:sp>
+        <p:nvSpPr>
+          <p:cNvPr id="3" name="Content Placeholder 2"/>
+          <p:cNvSpPr>
+            <a:spLocks noGrp="1"/>
+          </p:cNvSpPr>
+          <p:nvPr>
+            <p:ph idx="1"/>
+          </p:nvPr>
+        </p:nvSpPr>
+        <p:spPr/>
+        <p:txBody>
+          <a:bodyPr/>
+          <a:lstStyle/>
+          <a:p>
+            <a:endParaRPr lang="en-US"/>
+          </a:p>
+        </p:txBody>
+      </p:sp>
+    </p:spTree>
+    <p:extLst>
+      <p:ext uri="{BB962C8B-B14F-4D97-AF65-F5344CB8AC3E}">
+        <p14:creationId xmlns:p14="http://schemas.microsoft.com/office/powerpoint/2010/main" val="1232177755"/>
+      </p:ext>
+    </p:extLst>
+  </p:cSld>
+  <p:clrMapOvr>
+    <a:masterClrMapping/>
+  </p:clrMapOvr>
+  <p:timing>
+    <p:tnLst>
+      <p:par>
+        <p:cTn id="1" dur="indefinite" restart="never" nodeType="tmRoot"/>
+      </p:par>
+    </p:tnLst>
+  </p:timing>
+</p:sld>
+</file>
+
+<file path=ppt/slides/slide7.xml><?xml version="1.0" encoding="utf-8"?>
+<p:sld xmlns:a="http://schemas.openxmlformats.org/drawingml/2006/main" xmlns:r="http://schemas.openxmlformats.org/officeDocument/2006/relationships" xmlns:p="http://schemas.openxmlformats.org/presentationml/2006/main">
+  <p:cSld>
+    <p:spTree>
+      <p:nvGrpSpPr>
+        <p:cNvPr id="1" name=""/>
+        <p:cNvGrpSpPr/>
+        <p:nvPr/>
+      </p:nvGrpSpPr>
+      <p:grpSpPr>
+        <a:xfrm>
+          <a:off x="0" y="0"/>
+          <a:ext cx="0" cy="0"/>
+          <a:chOff x="0" y="0"/>
+          <a:chExt cx="0" cy="0"/>
+        </a:xfrm>
+      </p:grpSpPr>
+      <p:sp>
+        <p:nvSpPr>
+          <p:cNvPr id="2" name="Title 1"/>
+          <p:cNvSpPr>
+            <a:spLocks noGrp="1"/>
+          </p:cNvSpPr>
+          <p:nvPr>
+            <p:ph type="title"/>
+          </p:nvPr>
+        </p:nvSpPr>
+        <p:spPr/>
+        <p:txBody>
+          <a:bodyPr/>
+          <a:lstStyle/>
+          <a:p>
+            <a:r>
+              <a:rPr lang="en-US" dirty="0" smtClean="0"/>
+              <a:t>Art</a:t>
+            </a:r>
+            <a:endParaRPr lang="en-US" dirty="0"/>
+          </a:p>
+        </p:txBody>
+      </p:sp>
+      <p:sp>
+        <p:nvSpPr>
+          <p:cNvPr id="3" name="Content Placeholder 2"/>
+          <p:cNvSpPr>
+            <a:spLocks noGrp="1"/>
+          </p:cNvSpPr>
+          <p:nvPr>
+            <p:ph idx="1"/>
+          </p:nvPr>
+        </p:nvSpPr>
+        <p:spPr/>
+        <p:txBody>
+          <a:bodyPr/>
+          <a:lstStyle/>
+          <a:p>
+            <a:endParaRPr lang="en-US"/>
+          </a:p>
+        </p:txBody>
+      </p:sp>
+    </p:spTree>
+    <p:extLst>
+      <p:ext uri="{BB962C8B-B14F-4D97-AF65-F5344CB8AC3E}">
+        <p14:creationId xmlns:p14="http://schemas.microsoft.com/office/powerpoint/2010/main" val="477436329"/>
+      </p:ext>
+    </p:extLst>
+  </p:cSld>
+  <p:clrMapOvr>
+    <a:masterClrMapping/>
+  </p:clrMapOvr>
+  <p:timing>
+    <p:tnLst>
+      <p:par>
+        <p:cTn id="1" dur="indefinite" restart="never" nodeType="tmRoot"/>
+      </p:par>
+    </p:tnLst>
+  </p:timing>
+</p:sld>
+</file>
+
+<file path=ppt/slides/slide8.xml><?xml version="1.0" encoding="utf-8"?>
+<p:sld xmlns:a="http://schemas.openxmlformats.org/drawingml/2006/main" xmlns:r="http://schemas.openxmlformats.org/officeDocument/2006/relationships" xmlns:p="http://schemas.openxmlformats.org/presentationml/2006/main">
+  <p:cSld>
+    <p:spTree>
+      <p:nvGrpSpPr>
+        <p:cNvPr id="1" name=""/>
+        <p:cNvGrpSpPr/>
+        <p:nvPr/>
+      </p:nvGrpSpPr>
+      <p:grpSpPr>
+        <a:xfrm>
+          <a:off x="0" y="0"/>
+          <a:ext cx="0" cy="0"/>
+          <a:chOff x="0" y="0"/>
+          <a:chExt cx="0" cy="0"/>
+        </a:xfrm>
+      </p:grpSpPr>
+      <p:sp>
+        <p:nvSpPr>
+          <p:cNvPr id="2" name="Title 1"/>
+          <p:cNvSpPr>
+            <a:spLocks noGrp="1"/>
+          </p:cNvSpPr>
+          <p:nvPr>
+            <p:ph type="title"/>
+          </p:nvPr>
+        </p:nvSpPr>
+        <p:spPr/>
+        <p:txBody>
+          <a:bodyPr/>
+          <a:lstStyle/>
+          <a:p>
+            <a:r>
+              <a:rPr lang="en-US" dirty="0" smtClean="0"/>
+              <a:t>Art Asset Research</a:t>
+            </a:r>
+            <a:endParaRPr lang="en-US" dirty="0"/>
+          </a:p>
+        </p:txBody>
+      </p:sp>
+      <p:sp>
+        <p:nvSpPr>
+          <p:cNvPr id="3" name="Content Placeholder 2"/>
+          <p:cNvSpPr>
+            <a:spLocks noGrp="1"/>
+          </p:cNvSpPr>
+          <p:nvPr>
+            <p:ph idx="1"/>
+          </p:nvPr>
+        </p:nvSpPr>
+        <p:spPr/>
+        <p:txBody>
+          <a:bodyPr/>
+          <a:lstStyle/>
+          <a:p>
+            <a:endParaRPr lang="en-US"/>
+          </a:p>
+        </p:txBody>
+      </p:sp>
+    </p:spTree>
+    <p:extLst>
+      <p:ext uri="{BB962C8B-B14F-4D97-AF65-F5344CB8AC3E}">
+        <p14:creationId xmlns:p14="http://schemas.microsoft.com/office/powerpoint/2010/main" val="887796916"/>
+      </p:ext>
+    </p:extLst>
+  </p:cSld>
+  <p:clrMapOvr>
+    <a:masterClrMapping/>
+  </p:clrMapOvr>
+  <p:timing>
+    <p:tnLst>
+      <p:par>
+        <p:cTn id="1" dur="indefinite" restart="never" nodeType="tmRoot"/>
+      </p:par>
+    </p:tnLst>
+  </p:timing>
+</p:sld>
+</file>
+
+<file path=ppt/slides/slide9.xml><?xml version="1.0" encoding="utf-8"?>
+<p:sld xmlns:a="http://schemas.openxmlformats.org/drawingml/2006/main" xmlns:r="http://schemas.openxmlformats.org/officeDocument/2006/relationships" xmlns:p="http://schemas.openxmlformats.org/presentationml/2006/main">
+  <p:cSld>
+    <p:spTree>
+      <p:nvGrpSpPr>
+        <p:cNvPr id="1" name=""/>
+        <p:cNvGrpSpPr/>
+        <p:nvPr/>
+      </p:nvGrpSpPr>
+      <p:grpSpPr>
+        <a:xfrm>
+          <a:off x="0" y="0"/>
+          <a:ext cx="0" cy="0"/>
+          <a:chOff x="0" y="0"/>
+          <a:chExt cx="0" cy="0"/>
+        </a:xfrm>
+      </p:grpSpPr>
+      <p:sp>
+        <p:nvSpPr>
+          <p:cNvPr id="2" name="Title 1"/>
+          <p:cNvSpPr>
+            <a:spLocks noGrp="1"/>
+          </p:cNvSpPr>
+          <p:nvPr>
+            <p:ph type="title"/>
+          </p:nvPr>
+        </p:nvSpPr>
+        <p:spPr/>
+        <p:txBody>
+          <a:bodyPr/>
+          <a:lstStyle/>
+          <a:p>
+            <a:r>
+              <a:rPr lang="en-US" dirty="0" smtClean="0"/>
+              <a:t>Audio – Music and Sound</a:t>
+            </a:r>
+            <a:endParaRPr lang="en-US" dirty="0"/>
+          </a:p>
+        </p:txBody>
+      </p:sp>
+      <p:sp>
+        <p:nvSpPr>
+          <p:cNvPr id="3" name="Content Placeholder 2"/>
+          <p:cNvSpPr>
+            <a:spLocks noGrp="1"/>
+          </p:cNvSpPr>
+          <p:nvPr>
+            <p:ph idx="1"/>
+          </p:nvPr>
+        </p:nvSpPr>
+        <p:spPr/>
+        <p:txBody>
+          <a:bodyPr/>
+          <a:lstStyle/>
+          <a:p>
+            <a:endParaRPr lang="en-US"/>
+          </a:p>
+        </p:txBody>
+      </p:sp>
+    </p:spTree>
+    <p:extLst>
+      <p:ext uri="{BB962C8B-B14F-4D97-AF65-F5344CB8AC3E}">
+        <p14:creationId xmlns:p14="http://schemas.microsoft.com/office/powerpoint/2010/main" val="4081458897"/>
+      </p:ext>
+    </p:extLst>
+  </p:cSld>
+  <p:clrMapOvr>
+    <a:masterClrMapping/>
+  </p:clrMapOvr>
+  <p:timing>
+    <p:tnLst>
+      <p:par>
+        <p:cTn id="1" dur="indefinite" restart="never" nodeType="tmRoot"/>
+      </p:par>
+    </p:tnLst>
+  </p:timing>
 </p:sld>
 </file>
 
 <file path=ppt/theme/theme1.xml><?xml version="1.0" encoding="utf-8"?>
-<a:theme xmlns:a="http://schemas.openxmlformats.org/drawingml/2006/main" name="Office Theme">
+<a:theme xmlns:a="http://schemas.openxmlformats.org/drawingml/2006/main" name="View">
   <a:themeElements>
-    <a:clrScheme name="Office">
+    <a:clrScheme name="View">
       <a:dk1>
-        <a:sysClr val="windowText" lastClr="000000"/>
+        <a:srgbClr val="000000"/>
       </a:dk1>
       <a:lt1>
-        <a:sysClr val="window" lastClr="FFFFFF"/>
+        <a:srgbClr val="FFFFFF"/>
       </a:lt1>
       <a:dk2>
-        <a:srgbClr val="44546A"/>
+        <a:srgbClr val="46464A"/>
       </a:dk2>
       <a:lt2>
-        <a:srgbClr val="E7E6E6"/>
+        <a:srgbClr val="D6D3CC"/>
       </a:lt2>
       <a:accent1>
-        <a:srgbClr val="5B9BD5"/>
+        <a:srgbClr val="6F6F74"/>
       </a:accent1>
       <a:accent2>
-        <a:srgbClr val="ED7D31"/>
+        <a:srgbClr val="92A9B9"/>
       </a:accent2>
       <a:accent3>
-        <a:srgbClr val="A5A5A5"/>
+        <a:srgbClr val="A7B789"/>
       </a:accent3>
       <a:accent4>
-        <a:srgbClr val="FFC000"/>
+        <a:srgbClr val="B9A489"/>
       </a:accent4>
       <a:accent5>
-        <a:srgbClr val="4472C4"/>
+        <a:srgbClr val="8D6374"/>
       </a:accent5>
       <a:accent6>
-        <a:srgbClr val="70AD47"/>
+        <a:srgbClr val="9B7362"/>
       </a:accent6>
       <a:hlink>
-        <a:srgbClr val="0563C1"/>
+        <a:srgbClr val="67AABF"/>
       </a:hlink>
       <a:folHlink>
-        <a:srgbClr val="954F72"/>
+        <a:srgbClr val="ABAFA5"/>
       </a:folHlink>
     </a:clrScheme>
-    <a:fontScheme name="Office">
+    <a:fontScheme name="View">
       <a:majorFont>
-        <a:latin typeface="Calibri Light" panose="020F0302020204030204"/>
+        <a:latin typeface="Century Schoolbook" panose="02040604050505020304"/>
         <a:ea typeface=""/>
         <a:cs typeface=""/>
-        <a:font script="Jpan" typeface="游ゴシック Light"/>
+        <a:font script="Jpan" typeface="ＭＳ ゴシック"/>
         <a:font script="Hang" typeface="맑은 고딕"/>
-        <a:font script="Hans" typeface="等线 Light"/>
+        <a:font script="Hans" typeface="宋体"/>
         <a:font script="Hant" typeface="新細明體"/>
-        <a:font script="Arab" typeface="Times New Roman"/>
-        <a:font script="Hebr" typeface="Times New Roman"/>
-        <a:font script="Thai" typeface="Angsana New"/>
-        <a:font script="Ethi" typeface="Nyala"/>
-        <a:font script="Beng" typeface="Vrinda"/>
-        <a:font script="Gujr" typeface="Shruti"/>
-        <a:font script="Khmr" typeface="MoolBoran"/>
-        <a:font script="Knda" typeface="Tunga"/>
-        <a:font script="Guru" typeface="Raavi"/>
-        <a:font script="Cans" typeface="Euphemia"/>
-        <a:font script="Cher" typeface="Plantagenet Cherokee"/>
-        <a:font script="Yiii" typeface="Microsoft Yi Baiti"/>
-        <a:font script="Tibt" typeface="Microsoft Himalaya"/>
-        <a:font script="Thaa" typeface="MV Boli"/>
-        <a:font script="Deva" typeface="Mangal"/>
-        <a:font script="Telu" typeface="Gautami"/>
-        <a:font script="Taml" typeface="Latha"/>
-        <a:font script="Syrc" typeface="Estrangelo Edessa"/>
-        <a:font script="Orya" typeface="Kalinga"/>
-        <a:font script="Mlym" typeface="Kartika"/>
-        <a:font script="Laoo" typeface="DokChampa"/>
-        <a:font script="Sinh" typeface="Iskoola Pota"/>
-        <a:font script="Mong" typeface="Mongolian Baiti"/>
-        <a:font script="Viet" typeface="Times New Roman"/>
-        <a:font script="Uigh" typeface="Microsoft Uighur"/>
-        <a:font script="Geor" typeface="Sylfaen"/>
-      </a:majorFont>
-      <a:minorFont>
-        <a:latin typeface="Calibri" panose="020F0502020204030204"/>
-        <a:ea typeface=""/>
-        <a:cs typeface=""/>
-        <a:font script="Jpan" typeface="游ゴシック"/>
-        <a:font script="Hang" typeface="맑은 고딕"/>
-        <a:font script="Hans" typeface="等线"/>
-        <a:font script="Hant" typeface="新細明體"/>
-        <a:font script="Arab" typeface="Arial"/>
-        <a:font script="Hebr" typeface="Arial"/>
-        <a:font script="Thai" typeface="Cordia New"/>
+        <a:font script="Arab" typeface="Tahoma"/>
+        <a:font script="Hebr" typeface="Gisha"/>
+        <a:font script="Thai" typeface="DilleniaUPC"/>
         <a:font script="Ethi" typeface="Nyala"/>
         <a:font script="Beng" typeface="Vrinda"/>
         <a:font script="Gujr" typeface="Shruti"/>
@@ -3123,90 +4783,86 @@
         <a:font script="Laoo" typeface="DokChampa"/>
         <a:font script="Sinh" typeface="Iskoola Pota"/>
         <a:font script="Mong" typeface="Mongolian Baiti"/>
-        <a:font script="Viet" typeface="Arial"/>
+        <a:font script="Viet" typeface="Tahoma"/>
+        <a:font script="Uigh" typeface="Microsoft Uighur"/>
+        <a:font script="Geor" typeface="Sylfaen"/>
+      </a:majorFont>
+      <a:minorFont>
+        <a:latin typeface="Century Schoolbook" panose="02040604050505020304"/>
+        <a:ea typeface=""/>
+        <a:cs typeface=""/>
+        <a:font script="Jpan" typeface="ＭＳ ゴシック"/>
+        <a:font script="Hang" typeface="맑은 고딕"/>
+        <a:font script="Hans" typeface="宋体"/>
+        <a:font script="Hant" typeface="新細明體"/>
+        <a:font script="Arab" typeface="Tahoma"/>
+        <a:font script="Hebr" typeface="Gisha"/>
+        <a:font script="Thai" typeface="DilleniaUPC"/>
+        <a:font script="Ethi" typeface="Nyala"/>
+        <a:font script="Beng" typeface="Vrinda"/>
+        <a:font script="Gujr" typeface="Shruti"/>
+        <a:font script="Khmr" typeface="DaunPenh"/>
+        <a:font script="Knda" typeface="Tunga"/>
+        <a:font script="Guru" typeface="Raavi"/>
+        <a:font script="Cans" typeface="Euphemia"/>
+        <a:font script="Cher" typeface="Plantagenet Cherokee"/>
+        <a:font script="Yiii" typeface="Microsoft Yi Baiti"/>
+        <a:font script="Tibt" typeface="Microsoft Himalaya"/>
+        <a:font script="Thaa" typeface="MV Boli"/>
+        <a:font script="Deva" typeface="Mangal"/>
+        <a:font script="Telu" typeface="Gautami"/>
+        <a:font script="Taml" typeface="Latha"/>
+        <a:font script="Syrc" typeface="Estrangelo Edessa"/>
+        <a:font script="Orya" typeface="Kalinga"/>
+        <a:font script="Mlym" typeface="Kartika"/>
+        <a:font script="Laoo" typeface="DokChampa"/>
+        <a:font script="Sinh" typeface="Iskoola Pota"/>
+        <a:font script="Mong" typeface="Mongolian Baiti"/>
+        <a:font script="Viet" typeface="Verdana"/>
         <a:font script="Uigh" typeface="Microsoft Uighur"/>
         <a:font script="Geor" typeface="Sylfaen"/>
       </a:minorFont>
     </a:fontScheme>
-    <a:fmtScheme name="Office">
+    <a:fmtScheme name="View">
       <a:fillStyleLst>
         <a:solidFill>
           <a:schemeClr val="phClr"/>
         </a:solidFill>
-        <a:gradFill rotWithShape="1">
-          <a:gsLst>
-            <a:gs pos="0">
-              <a:schemeClr val="phClr">
-                <a:lumMod val="110000"/>
-                <a:satMod val="105000"/>
-                <a:tint val="67000"/>
-              </a:schemeClr>
-            </a:gs>
-            <a:gs pos="50000">
-              <a:schemeClr val="phClr">
-                <a:lumMod val="105000"/>
-                <a:satMod val="103000"/>
-                <a:tint val="73000"/>
-              </a:schemeClr>
-            </a:gs>
-            <a:gs pos="100000">
-              <a:schemeClr val="phClr">
-                <a:lumMod val="105000"/>
-                <a:satMod val="109000"/>
-                <a:tint val="81000"/>
-              </a:schemeClr>
-            </a:gs>
-          </a:gsLst>
-          <a:lin ang="5400000" scaled="0"/>
-        </a:gradFill>
-        <a:gradFill rotWithShape="1">
-          <a:gsLst>
-            <a:gs pos="0">
-              <a:schemeClr val="phClr">
-                <a:satMod val="103000"/>
-                <a:lumMod val="102000"/>
-                <a:tint val="94000"/>
-              </a:schemeClr>
-            </a:gs>
-            <a:gs pos="50000">
-              <a:schemeClr val="phClr">
-                <a:satMod val="110000"/>
-                <a:lumMod val="100000"/>
-                <a:shade val="100000"/>
-              </a:schemeClr>
-            </a:gs>
-            <a:gs pos="100000">
-              <a:schemeClr val="phClr">
-                <a:lumMod val="99000"/>
-                <a:satMod val="120000"/>
-                <a:shade val="78000"/>
-              </a:schemeClr>
-            </a:gs>
-          </a:gsLst>
-          <a:lin ang="5400000" scaled="0"/>
-        </a:gradFill>
+        <a:solidFill>
+          <a:schemeClr val="phClr">
+            <a:tint val="60000"/>
+            <a:satMod val="120000"/>
+          </a:schemeClr>
+        </a:solidFill>
+        <a:solidFill>
+          <a:schemeClr val="phClr">
+            <a:shade val="75000"/>
+            <a:satMod val="160000"/>
+          </a:schemeClr>
+        </a:solidFill>
       </a:fillStyleLst>
       <a:lnStyleLst>
-        <a:ln w="6350" cap="flat" cmpd="sng" algn="ctr">
+        <a:ln w="9525" cap="flat" cmpd="sng" algn="ctr">
           <a:solidFill>
             <a:schemeClr val="phClr"/>
           </a:solidFill>
           <a:prstDash val="solid"/>
-          <a:miter lim="800000"/>
         </a:ln>
-        <a:ln w="12700" cap="flat" cmpd="sng" algn="ctr">
+        <a:ln w="13970" cap="flat" cmpd="sng" algn="ctr">
           <a:solidFill>
             <a:schemeClr val="phClr"/>
           </a:solidFill>
           <a:prstDash val="solid"/>
-          <a:miter lim="800000"/>
         </a:ln>
-        <a:ln w="19050" cap="flat" cmpd="sng" algn="ctr">
+        <a:ln w="17145" cap="flat" cmpd="sng" algn="ctr">
           <a:solidFill>
-            <a:schemeClr val="phClr"/>
+            <a:schemeClr val="phClr">
+              <a:shade val="95000"/>
+              <a:alpha val="95000"/>
+              <a:satMod val="150000"/>
+            </a:schemeClr>
           </a:solidFill>
           <a:prstDash val="solid"/>
-          <a:miter lim="800000"/>
         </a:ln>
       </a:lnStyleLst>
       <a:effectStyleLst>
@@ -3214,16 +4870,52 @@
           <a:effectLst/>
         </a:effectStyle>
         <a:effectStyle>
-          <a:effectLst/>
+          <a:effectLst>
+            <a:outerShdw blurRad="50800" dist="15240" dir="5400000" algn="tl" rotWithShape="0">
+              <a:srgbClr val="000000">
+                <a:alpha val="75000"/>
+              </a:srgbClr>
+            </a:outerShdw>
+          </a:effectLst>
+          <a:scene3d>
+            <a:camera prst="orthographicFront">
+              <a:rot lat="0" lon="0" rev="0"/>
+            </a:camera>
+            <a:lightRig rig="brightRoom" dir="tl"/>
+          </a:scene3d>
+          <a:sp3d contourW="9525" prstMaterial="flat">
+            <a:bevelT w="0" h="0" prst="coolSlant"/>
+            <a:contourClr>
+              <a:schemeClr val="phClr">
+                <a:shade val="35000"/>
+                <a:satMod val="130000"/>
+              </a:schemeClr>
+            </a:contourClr>
+          </a:sp3d>
         </a:effectStyle>
         <a:effectStyle>
           <a:effectLst>
-            <a:outerShdw blurRad="57150" dist="19050" dir="5400000" algn="ctr" rotWithShape="0">
+            <a:outerShdw blurRad="76200" dist="25400" dir="5400000" algn="tl" rotWithShape="0">
               <a:srgbClr val="000000">
-                <a:alpha val="63000"/>
+                <a:alpha val="55000"/>
               </a:srgbClr>
             </a:outerShdw>
           </a:effectLst>
+          <a:scene3d>
+            <a:camera prst="orthographicFront">
+              <a:rot lat="0" lon="0" rev="0"/>
+            </a:camera>
+            <a:lightRig rig="brightRoom" dir="tl"/>
+          </a:scene3d>
+          <a:sp3d contourW="19050" prstMaterial="flat">
+            <a:bevelT w="0" h="0" prst="coolSlant"/>
+            <a:contourClr>
+              <a:schemeClr val="phClr">
+                <a:shade val="25000"/>
+                <a:satMod val="140000"/>
+              </a:schemeClr>
+            </a:contourClr>
+          </a:sp3d>
         </a:effectStyle>
       </a:effectStyleLst>
       <a:bgFillStyleLst>
@@ -3240,28 +4932,23 @@
           <a:gsLst>
             <a:gs pos="0">
               <a:schemeClr val="phClr">
-                <a:tint val="93000"/>
-                <a:satMod val="150000"/>
+                <a:tint val="94000"/>
                 <a:shade val="98000"/>
+                <a:satMod val="130000"/>
                 <a:lumMod val="102000"/>
-              </a:schemeClr>
-            </a:gs>
-            <a:gs pos="50000">
-              <a:schemeClr val="phClr">
-                <a:tint val="98000"/>
-                <a:satMod val="130000"/>
-                <a:shade val="90000"/>
-                <a:lumMod val="103000"/>
               </a:schemeClr>
             </a:gs>
             <a:gs pos="100000">
               <a:schemeClr val="phClr">
-                <a:shade val="63000"/>
-                <a:satMod val="120000"/>
+                <a:tint val="98000"/>
+                <a:shade val="78000"/>
+                <a:satMod val="140000"/>
               </a:schemeClr>
             </a:gs>
           </a:gsLst>
-          <a:lin ang="5400000" scaled="0"/>
+          <a:path path="circle">
+            <a:fillToRect l="100000" t="100000" r="100000" b="100000"/>
+          </a:path>
         </a:gradFill>
       </a:bgFillStyleLst>
     </a:fmtScheme>
@@ -3270,7 +4957,7 @@
   <a:extraClrSchemeLst/>
   <a:extLst>
     <a:ext uri="{05A4C25C-085E-4340-85A3-A5531E510DB2}">
-      <thm15:themeFamily xmlns:thm15="http://schemas.microsoft.com/office/thememl/2012/main" name="Office Theme" id="{62F939B6-93AF-4DB8-9C6B-D6C7DFDC589F}" vid="{4A3C46E8-61CC-4603-A589-7422A47A8E4A}"/>
+      <thm15:themeFamily xmlns:thm15="http://schemas.microsoft.com/office/thememl/2012/main" name="View" id="{BA0EB5A6-F2D4-4F82-977B-64ADEE4A2A69}" vid="{3969A8A2-35DB-4E3B-8885-16FD20568674}"/>
     </a:ext>
   </a:extLst>
 </a:theme>

--- a/Dinometry Dash/Documentation/Pitch Presentation.pptx
+++ b/Dinometry Dash/Documentation/Pitch Presentation.pptx
@@ -3488,10 +3488,6 @@
               <a:rPr lang="en-US" dirty="0" smtClean="0"/>
               <a:t>Galaxy Dash</a:t>
             </a:r>
-            <a:r>
-              <a:rPr lang="en-US" dirty="0" smtClean="0"/>
-              <a:t/>
-            </a:r>
             <a:br>
               <a:rPr lang="en-US" dirty="0" smtClean="0"/>
             </a:br>
@@ -4231,7 +4227,16 @@
           <a:bodyPr/>
           <a:lstStyle/>
           <a:p>
-            <a:endParaRPr lang="en-US"/>
+            <a:pPr marL="0" indent="0">
+              <a:buNone/>
+            </a:pPr>
+            <a:r>
+              <a:rPr lang="en-US" dirty="0"/>
+              <a:t>Galaxy Dash is a simple and fun game where the player makes a Laser Knight either jump over killer aliens or dodge low flying UFOs, or ducks under higher flying meteorites as he runs across a flat terrain faster and faster as time goes by. It is perfect for anyone who wants to kill time, since it is engaging and has the competitive factor of trying to beat your high score for how long you go without bumping into any obstacles. </a:t>
+            </a:r>
+          </a:p>
+          <a:p>
+            <a:endParaRPr lang="en-US" dirty="0"/>
           </a:p>
         </p:txBody>
       </p:sp>

--- a/Dinometry Dash/Documentation/Pitch Presentation.pptx
+++ b/Dinometry Dash/Documentation/Pitch Presentation.pptx
@@ -294,7 +294,7 @@
           <a:p>
             <a:fld id="{8E28EA1E-1334-45BB-903D-BBA9524B3546}" type="datetimeFigureOut">
               <a:rPr lang="en-US" smtClean="0"/>
-              <a:t>1/31/2020</a:t>
+              <a:t>2/3/2020</a:t>
             </a:fld>
             <a:endParaRPr lang="en-US"/>
           </a:p>
@@ -522,7 +522,7 @@
           <a:p>
             <a:fld id="{8E28EA1E-1334-45BB-903D-BBA9524B3546}" type="datetimeFigureOut">
               <a:rPr lang="en-US" smtClean="0"/>
-              <a:t>1/31/2020</a:t>
+              <a:t>2/3/2020</a:t>
             </a:fld>
             <a:endParaRPr lang="en-US"/>
           </a:p>
@@ -702,7 +702,7 @@
           <a:p>
             <a:fld id="{8E28EA1E-1334-45BB-903D-BBA9524B3546}" type="datetimeFigureOut">
               <a:rPr lang="en-US" smtClean="0"/>
-              <a:t>1/31/2020</a:t>
+              <a:t>2/3/2020</a:t>
             </a:fld>
             <a:endParaRPr lang="en-US"/>
           </a:p>
@@ -872,7 +872,7 @@
           <a:p>
             <a:fld id="{8E28EA1E-1334-45BB-903D-BBA9524B3546}" type="datetimeFigureOut">
               <a:rPr lang="en-US" smtClean="0"/>
-              <a:t>1/31/2020</a:t>
+              <a:t>2/3/2020</a:t>
             </a:fld>
             <a:endParaRPr lang="en-US"/>
           </a:p>
@@ -1126,7 +1126,7 @@
           <a:p>
             <a:fld id="{8E28EA1E-1334-45BB-903D-BBA9524B3546}" type="datetimeFigureOut">
               <a:rPr lang="en-US" smtClean="0"/>
-              <a:t>1/31/2020</a:t>
+              <a:t>2/3/2020</a:t>
             </a:fld>
             <a:endParaRPr lang="en-US"/>
           </a:p>
@@ -1452,7 +1452,7 @@
           <a:p>
             <a:fld id="{8E28EA1E-1334-45BB-903D-BBA9524B3546}" type="datetimeFigureOut">
               <a:rPr lang="en-US" smtClean="0"/>
-              <a:t>1/31/2020</a:t>
+              <a:t>2/3/2020</a:t>
             </a:fld>
             <a:endParaRPr lang="en-US"/>
           </a:p>
@@ -1903,7 +1903,7 @@
           <a:p>
             <a:fld id="{8E28EA1E-1334-45BB-903D-BBA9524B3546}" type="datetimeFigureOut">
               <a:rPr lang="en-US" smtClean="0"/>
-              <a:t>1/31/2020</a:t>
+              <a:t>2/3/2020</a:t>
             </a:fld>
             <a:endParaRPr lang="en-US"/>
           </a:p>
@@ -2021,7 +2021,7 @@
           <a:p>
             <a:fld id="{8E28EA1E-1334-45BB-903D-BBA9524B3546}" type="datetimeFigureOut">
               <a:rPr lang="en-US" smtClean="0"/>
-              <a:t>1/31/2020</a:t>
+              <a:t>2/3/2020</a:t>
             </a:fld>
             <a:endParaRPr lang="en-US"/>
           </a:p>
@@ -2116,7 +2116,7 @@
           <a:p>
             <a:fld id="{8E28EA1E-1334-45BB-903D-BBA9524B3546}" type="datetimeFigureOut">
               <a:rPr lang="en-US" smtClean="0"/>
-              <a:t>1/31/2020</a:t>
+              <a:t>2/3/2020</a:t>
             </a:fld>
             <a:endParaRPr lang="en-US"/>
           </a:p>
@@ -2403,7 +2403,7 @@
           <a:p>
             <a:fld id="{8E28EA1E-1334-45BB-903D-BBA9524B3546}" type="datetimeFigureOut">
               <a:rPr lang="en-US" smtClean="0"/>
-              <a:t>1/31/2020</a:t>
+              <a:t>2/3/2020</a:t>
             </a:fld>
             <a:endParaRPr lang="en-US"/>
           </a:p>
@@ -2725,7 +2725,7 @@
           <a:p>
             <a:fld id="{8E28EA1E-1334-45BB-903D-BBA9524B3546}" type="datetimeFigureOut">
               <a:rPr lang="en-US" smtClean="0"/>
-              <a:t>1/31/2020</a:t>
+              <a:t>2/3/2020</a:t>
             </a:fld>
             <a:endParaRPr lang="en-US"/>
           </a:p>
@@ -2979,7 +2979,7 @@
           <a:p>
             <a:fld id="{8E28EA1E-1334-45BB-903D-BBA9524B3546}" type="datetimeFigureOut">
               <a:rPr lang="en-US" smtClean="0"/>
-              <a:t>1/31/2020</a:t>
+              <a:t>2/3/2020</a:t>
             </a:fld>
             <a:endParaRPr lang="en-US"/>
           </a:p>

--- a/Dinometry Dash/Documentation/Pitch Presentation.pptx
+++ b/Dinometry Dash/Documentation/Pitch Presentation.pptx
@@ -15,11 +15,10 @@
     <p:sldId id="263" r:id="rId9"/>
     <p:sldId id="264" r:id="rId10"/>
     <p:sldId id="265" r:id="rId11"/>
-    <p:sldId id="266" r:id="rId12"/>
-    <p:sldId id="267" r:id="rId13"/>
-    <p:sldId id="268" r:id="rId14"/>
-    <p:sldId id="269" r:id="rId15"/>
-    <p:sldId id="270" r:id="rId16"/>
+    <p:sldId id="267" r:id="rId12"/>
+    <p:sldId id="268" r:id="rId13"/>
+    <p:sldId id="269" r:id="rId14"/>
+    <p:sldId id="270" r:id="rId15"/>
   </p:sldIdLst>
   <p:sldSz cx="12192000" cy="6858000"/>
   <p:notesSz cx="6858000" cy="9144000"/>
@@ -3595,25 +3594,6 @@
           </a:p>
         </p:txBody>
       </p:sp>
-      <p:sp>
-        <p:nvSpPr>
-          <p:cNvPr id="3" name="Content Placeholder 2"/>
-          <p:cNvSpPr>
-            <a:spLocks noGrp="1"/>
-          </p:cNvSpPr>
-          <p:nvPr>
-            <p:ph idx="1"/>
-          </p:nvPr>
-        </p:nvSpPr>
-        <p:spPr/>
-        <p:txBody>
-          <a:bodyPr/>
-          <a:lstStyle/>
-          <a:p>
-            <a:endParaRPr lang="en-US"/>
-          </a:p>
-        </p:txBody>
-      </p:sp>
     </p:spTree>
     <p:extLst>
       <p:ext uri="{BB962C8B-B14F-4D97-AF65-F5344CB8AC3E}">
@@ -3668,7 +3648,7 @@
           <a:p>
             <a:r>
               <a:rPr lang="en-US" dirty="0" smtClean="0"/>
-              <a:t>Art Schedule</a:t>
+              <a:t>Tech Schedule</a:t>
             </a:r>
             <a:endParaRPr lang="en-US" dirty="0"/>
           </a:p>
@@ -3696,7 +3676,7 @@
     </p:spTree>
     <p:extLst>
       <p:ext uri="{BB962C8B-B14F-4D97-AF65-F5344CB8AC3E}">
-        <p14:creationId xmlns:p14="http://schemas.microsoft.com/office/powerpoint/2010/main" val="2865796011"/>
+        <p14:creationId xmlns:p14="http://schemas.microsoft.com/office/powerpoint/2010/main" val="2043034057"/>
       </p:ext>
     </p:extLst>
   </p:cSld>
@@ -3747,7 +3727,7 @@
           <a:p>
             <a:r>
               <a:rPr lang="en-US" dirty="0" smtClean="0"/>
-              <a:t>Tech Schedule</a:t>
+              <a:t>Plus Content</a:t>
             </a:r>
             <a:endParaRPr lang="en-US" dirty="0"/>
           </a:p>
@@ -3768,14 +3748,31 @@
           <a:bodyPr/>
           <a:lstStyle/>
           <a:p>
-            <a:endParaRPr lang="en-US"/>
+            <a:r>
+              <a:rPr lang="en-US" dirty="0" smtClean="0"/>
+              <a:t>Plus Tech</a:t>
+            </a:r>
+          </a:p>
+          <a:p>
+            <a:pPr lvl="1"/>
+            <a:endParaRPr lang="en-US" dirty="0" smtClean="0"/>
+          </a:p>
+          <a:p>
+            <a:r>
+              <a:rPr lang="en-US" dirty="0" smtClean="0"/>
+              <a:t>Plus Art</a:t>
+            </a:r>
+          </a:p>
+          <a:p>
+            <a:pPr lvl="1"/>
+            <a:endParaRPr lang="en-US" dirty="0"/>
           </a:p>
         </p:txBody>
       </p:sp>
     </p:spTree>
     <p:extLst>
       <p:ext uri="{BB962C8B-B14F-4D97-AF65-F5344CB8AC3E}">
-        <p14:creationId xmlns:p14="http://schemas.microsoft.com/office/powerpoint/2010/main" val="2043034057"/>
+        <p14:creationId xmlns:p14="http://schemas.microsoft.com/office/powerpoint/2010/main" val="2169006600"/>
       </p:ext>
     </p:extLst>
   </p:cSld>
@@ -3826,109 +3823,6 @@
           <a:p>
             <a:r>
               <a:rPr lang="en-US" dirty="0" smtClean="0"/>
-              <a:t>Plus Content</a:t>
-            </a:r>
-            <a:endParaRPr lang="en-US" dirty="0"/>
-          </a:p>
-        </p:txBody>
-      </p:sp>
-      <p:sp>
-        <p:nvSpPr>
-          <p:cNvPr id="3" name="Content Placeholder 2"/>
-          <p:cNvSpPr>
-            <a:spLocks noGrp="1"/>
-          </p:cNvSpPr>
-          <p:nvPr>
-            <p:ph idx="1"/>
-          </p:nvPr>
-        </p:nvSpPr>
-        <p:spPr/>
-        <p:txBody>
-          <a:bodyPr/>
-          <a:lstStyle/>
-          <a:p>
-            <a:r>
-              <a:rPr lang="en-US" dirty="0" smtClean="0"/>
-              <a:t>Plus Tech</a:t>
-            </a:r>
-          </a:p>
-          <a:p>
-            <a:pPr lvl="1"/>
-            <a:r>
-              <a:rPr lang="en-US" dirty="0" smtClean="0"/>
-              <a:t>blah</a:t>
-            </a:r>
-          </a:p>
-          <a:p>
-            <a:r>
-              <a:rPr lang="en-US" dirty="0" smtClean="0"/>
-              <a:t>Plus Art</a:t>
-            </a:r>
-          </a:p>
-          <a:p>
-            <a:pPr lvl="1"/>
-            <a:r>
-              <a:rPr lang="en-US" dirty="0" smtClean="0"/>
-              <a:t>blah</a:t>
-            </a:r>
-            <a:endParaRPr lang="en-US" dirty="0"/>
-          </a:p>
-        </p:txBody>
-      </p:sp>
-    </p:spTree>
-    <p:extLst>
-      <p:ext uri="{BB962C8B-B14F-4D97-AF65-F5344CB8AC3E}">
-        <p14:creationId xmlns:p14="http://schemas.microsoft.com/office/powerpoint/2010/main" val="2169006600"/>
-      </p:ext>
-    </p:extLst>
-  </p:cSld>
-  <p:clrMapOvr>
-    <a:masterClrMapping/>
-  </p:clrMapOvr>
-  <p:timing>
-    <p:tnLst>
-      <p:par>
-        <p:cTn id="1" dur="indefinite" restart="never" nodeType="tmRoot"/>
-      </p:par>
-    </p:tnLst>
-  </p:timing>
-</p:sld>
-</file>
-
-<file path=ppt/slides/slide14.xml><?xml version="1.0" encoding="utf-8"?>
-<p:sld xmlns:a="http://schemas.openxmlformats.org/drawingml/2006/main" xmlns:r="http://schemas.openxmlformats.org/officeDocument/2006/relationships" xmlns:p="http://schemas.openxmlformats.org/presentationml/2006/main">
-  <p:cSld>
-    <p:spTree>
-      <p:nvGrpSpPr>
-        <p:cNvPr id="1" name=""/>
-        <p:cNvGrpSpPr/>
-        <p:nvPr/>
-      </p:nvGrpSpPr>
-      <p:grpSpPr>
-        <a:xfrm>
-          <a:off x="0" y="0"/>
-          <a:ext cx="0" cy="0"/>
-          <a:chOff x="0" y="0"/>
-          <a:chExt cx="0" cy="0"/>
-        </a:xfrm>
-      </p:grpSpPr>
-      <p:sp>
-        <p:nvSpPr>
-          <p:cNvPr id="2" name="Title 1"/>
-          <p:cNvSpPr>
-            <a:spLocks noGrp="1"/>
-          </p:cNvSpPr>
-          <p:nvPr>
-            <p:ph type="title"/>
-          </p:nvPr>
-        </p:nvSpPr>
-        <p:spPr/>
-        <p:txBody>
-          <a:bodyPr/>
-          <a:lstStyle/>
-          <a:p>
-            <a:r>
-              <a:rPr lang="en-US" dirty="0" smtClean="0"/>
               <a:t>Budget and Materials</a:t>
             </a:r>
             <a:endParaRPr lang="en-US" dirty="0"/>
@@ -3974,7 +3868,7 @@
 </p:sld>
 </file>
 
-<file path=ppt/slides/slide15.xml><?xml version="1.0" encoding="utf-8"?>
+<file path=ppt/slides/slide14.xml><?xml version="1.0" encoding="utf-8"?>
 <p:sld xmlns:a="http://schemas.openxmlformats.org/drawingml/2006/main" xmlns:r="http://schemas.openxmlformats.org/officeDocument/2006/relationships" xmlns:p="http://schemas.openxmlformats.org/presentationml/2006/main">
   <p:cSld>
     <p:spTree>
@@ -4230,9 +4124,19 @@
             <a:pPr marL="0" indent="0">
               <a:buNone/>
             </a:pPr>
+            <a:endParaRPr lang="en-US" dirty="0"/>
+          </a:p>
+          <a:p>
+            <a:pPr marL="0" indent="0">
+              <a:buNone/>
+            </a:pPr>
+            <a:r>
+              <a:rPr lang="en-US" dirty="0" smtClean="0"/>
+              <a:t>Galaxy </a:t>
+            </a:r>
             <a:r>
               <a:rPr lang="en-US" dirty="0"/>
-              <a:t>Galaxy Dash is a simple and fun game where the player makes a Laser Knight either jump over killer aliens or dodge low flying UFOs, or ducks under higher flying meteorites as he runs across a flat terrain faster and faster as time goes by. It is perfect for anyone who wants to kill time, since it is engaging and has the competitive factor of trying to beat your high score for how long you go without bumping into any obstacles. </a:t>
+              <a:t>Dash is a simple and fun game where the player makes a Laser Knight either jump over killer aliens or dodge low flying UFOs, or ducks under higher flying meteorites as he runs across a flat terrain faster and faster as time goes by. It is perfect for anyone who wants to kill time, since it is engaging and has the competitive factor of trying to beat your high score for how long you go without bumping into any obstacles. </a:t>
             </a:r>
           </a:p>
           <a:p>
@@ -4300,6 +4204,66 @@
           </a:p>
         </p:txBody>
       </p:sp>
+      <p:pic>
+        <p:nvPicPr>
+          <p:cNvPr id="5" name="Picture 4"/>
+          <p:cNvPicPr>
+            <a:picLocks noChangeAspect="1"/>
+          </p:cNvPicPr>
+          <p:nvPr/>
+        </p:nvPicPr>
+        <p:blipFill>
+          <a:blip r:embed="rId2" cstate="print">
+            <a:extLst>
+              <a:ext uri="{28A0092B-C50C-407E-A947-70E740481C1C}">
+                <a14:useLocalDpi xmlns:a14="http://schemas.microsoft.com/office/drawing/2010/main" val="0"/>
+              </a:ext>
+            </a:extLst>
+          </a:blip>
+          <a:stretch>
+            <a:fillRect/>
+          </a:stretch>
+        </p:blipFill>
+        <p:spPr>
+          <a:xfrm>
+            <a:off x="5793970" y="4014417"/>
+            <a:ext cx="5428211" cy="2781958"/>
+          </a:xfrm>
+          <a:prstGeom prst="rect">
+            <a:avLst/>
+          </a:prstGeom>
+        </p:spPr>
+      </p:pic>
+      <p:pic>
+        <p:nvPicPr>
+          <p:cNvPr id="6" name="Picture 5"/>
+          <p:cNvPicPr>
+            <a:picLocks noChangeAspect="1"/>
+          </p:cNvPicPr>
+          <p:nvPr/>
+        </p:nvPicPr>
+        <p:blipFill>
+          <a:blip r:embed="rId3">
+            <a:extLst>
+              <a:ext uri="{28A0092B-C50C-407E-A947-70E740481C1C}">
+                <a14:useLocalDpi xmlns:a14="http://schemas.microsoft.com/office/drawing/2010/main" val="0"/>
+              </a:ext>
+            </a:extLst>
+          </a:blip>
+          <a:stretch>
+            <a:fillRect/>
+          </a:stretch>
+        </p:blipFill>
+        <p:spPr>
+          <a:xfrm>
+            <a:off x="147373" y="5476667"/>
+            <a:ext cx="4998205" cy="1319708"/>
+          </a:xfrm>
+          <a:prstGeom prst="rect">
+            <a:avLst/>
+          </a:prstGeom>
+        </p:spPr>
+      </p:pic>
     </p:spTree>
     <p:extLst>
       <p:ext uri="{BB962C8B-B14F-4D97-AF65-F5344CB8AC3E}">
@@ -4375,7 +4339,31 @@
           <a:bodyPr/>
           <a:lstStyle/>
           <a:p>
-            <a:endParaRPr lang="en-US"/>
+            <a:r>
+              <a:rPr lang="en-US" dirty="0" smtClean="0"/>
+              <a:t>Keyboard for input</a:t>
+            </a:r>
+          </a:p>
+          <a:p>
+            <a:r>
+              <a:rPr lang="en-US" dirty="0" smtClean="0"/>
+              <a:t>You control a dinosaur</a:t>
+            </a:r>
+          </a:p>
+          <a:p>
+            <a:r>
+              <a:rPr lang="en-US" dirty="0" smtClean="0"/>
+              <a:t>Up and down movement with spacebar and arrow keys</a:t>
+            </a:r>
+          </a:p>
+          <a:p>
+            <a:r>
+              <a:rPr lang="en-US" dirty="0" smtClean="0"/>
+              <a:t>Running across the screen as you either duck under or jump over pterodactyls, and jump over different cacti</a:t>
+            </a:r>
+          </a:p>
+          <a:p>
+            <a:endParaRPr lang="en-US" dirty="0"/>
           </a:p>
         </p:txBody>
       </p:sp>
@@ -4533,7 +4521,35 @@
           <a:bodyPr/>
           <a:lstStyle/>
           <a:p>
-            <a:endParaRPr lang="en-US"/>
+            <a:r>
+              <a:rPr lang="en-US" dirty="0" smtClean="0"/>
+              <a:t>Style:</a:t>
+            </a:r>
+          </a:p>
+          <a:p>
+            <a:pPr lvl="1"/>
+            <a:r>
+              <a:rPr lang="en-US" dirty="0" smtClean="0"/>
+              <a:t>Pixel art (using </a:t>
+            </a:r>
+            <a:r>
+              <a:rPr lang="en-US" dirty="0" err="1" smtClean="0"/>
+              <a:t>piskel</a:t>
+            </a:r>
+            <a:r>
+              <a:rPr lang="en-US" dirty="0" smtClean="0"/>
+              <a:t>)</a:t>
+            </a:r>
+          </a:p>
+          <a:p>
+            <a:pPr lvl="1"/>
+            <a:endParaRPr lang="en-US" dirty="0" smtClean="0"/>
+          </a:p>
+          <a:p>
+            <a:pPr marL="274320" lvl="1" indent="0">
+              <a:buNone/>
+            </a:pPr>
+            <a:endParaRPr lang="en-US" dirty="0"/>
           </a:p>
         </p:txBody>
       </p:sp>
@@ -4594,25 +4610,6 @@
               <a:t>Art Asset Research</a:t>
             </a:r>
             <a:endParaRPr lang="en-US" dirty="0"/>
-          </a:p>
-        </p:txBody>
-      </p:sp>
-      <p:sp>
-        <p:nvSpPr>
-          <p:cNvPr id="3" name="Content Placeholder 2"/>
-          <p:cNvSpPr>
-            <a:spLocks noGrp="1"/>
-          </p:cNvSpPr>
-          <p:nvPr>
-            <p:ph idx="1"/>
-          </p:nvPr>
-        </p:nvSpPr>
-        <p:spPr/>
-        <p:txBody>
-          <a:bodyPr/>
-          <a:lstStyle/>
-          <a:p>
-            <a:endParaRPr lang="en-US"/>
           </a:p>
         </p:txBody>
       </p:sp>
